--- a/Slides/Baseball 6/Baseball_6_Lecture.pptx
+++ b/Slides/Baseball 6/Baseball_6_Lecture.pptx
@@ -5,7 +5,7 @@
     <p:sldMasterId id="2147483648" r:id="rId1"/>
   </p:sldMasterIdLst>
   <p:notesMasterIdLst>
-    <p:notesMasterId r:id="rId18"/>
+    <p:notesMasterId r:id="rId22"/>
   </p:notesMasterIdLst>
   <p:sldIdLst>
     <p:sldId id="298" r:id="rId2"/>
@@ -23,7 +23,11 @@
     <p:sldId id="343" r:id="rId14"/>
     <p:sldId id="344" r:id="rId15"/>
     <p:sldId id="345" r:id="rId16"/>
-    <p:sldId id="281" r:id="rId17"/>
+    <p:sldId id="346" r:id="rId17"/>
+    <p:sldId id="347" r:id="rId18"/>
+    <p:sldId id="348" r:id="rId19"/>
+    <p:sldId id="349" r:id="rId20"/>
+    <p:sldId id="281" r:id="rId21"/>
   </p:sldIdLst>
   <p:sldSz cx="12192000" cy="6858000"/>
   <p:notesSz cx="6858000" cy="9144000"/>
@@ -212,7 +216,7 @@
           <a:p>
             <a:fld id="{C04E5E84-956F-4423-97B3-5936A6D8EEEE}" type="datetimeFigureOut">
               <a:rPr lang="en-US" smtClean="0"/>
-              <a:t>9/15/2019</a:t>
+              <a:t>9/17/2019</a:t>
             </a:fld>
             <a:endParaRPr lang="en-US"/>
           </a:p>
@@ -626,7 +630,7 @@
           <a:p>
             <a:fld id="{3881C039-66A3-4640-815B-3B5A8B7D868D}" type="datetimeFigureOut">
               <a:rPr lang="en-US" smtClean="0"/>
-              <a:t>9/15/2019</a:t>
+              <a:t>9/17/2019</a:t>
             </a:fld>
             <a:endParaRPr lang="en-US"/>
           </a:p>
@@ -824,7 +828,7 @@
           <a:p>
             <a:fld id="{3881C039-66A3-4640-815B-3B5A8B7D868D}" type="datetimeFigureOut">
               <a:rPr lang="en-US" smtClean="0"/>
-              <a:t>9/15/2019</a:t>
+              <a:t>9/17/2019</a:t>
             </a:fld>
             <a:endParaRPr lang="en-US"/>
           </a:p>
@@ -1032,7 +1036,7 @@
           <a:p>
             <a:fld id="{3881C039-66A3-4640-815B-3B5A8B7D868D}" type="datetimeFigureOut">
               <a:rPr lang="en-US" smtClean="0"/>
-              <a:t>9/15/2019</a:t>
+              <a:t>9/17/2019</a:t>
             </a:fld>
             <a:endParaRPr lang="en-US"/>
           </a:p>
@@ -1230,7 +1234,7 @@
           <a:p>
             <a:fld id="{3881C039-66A3-4640-815B-3B5A8B7D868D}" type="datetimeFigureOut">
               <a:rPr lang="en-US" smtClean="0"/>
-              <a:t>9/15/2019</a:t>
+              <a:t>9/17/2019</a:t>
             </a:fld>
             <a:endParaRPr lang="en-US"/>
           </a:p>
@@ -1505,7 +1509,7 @@
           <a:p>
             <a:fld id="{3881C039-66A3-4640-815B-3B5A8B7D868D}" type="datetimeFigureOut">
               <a:rPr lang="en-US" smtClean="0"/>
-              <a:t>9/15/2019</a:t>
+              <a:t>9/17/2019</a:t>
             </a:fld>
             <a:endParaRPr lang="en-US"/>
           </a:p>
@@ -1770,7 +1774,7 @@
           <a:p>
             <a:fld id="{3881C039-66A3-4640-815B-3B5A8B7D868D}" type="datetimeFigureOut">
               <a:rPr lang="en-US" smtClean="0"/>
-              <a:t>9/15/2019</a:t>
+              <a:t>9/17/2019</a:t>
             </a:fld>
             <a:endParaRPr lang="en-US"/>
           </a:p>
@@ -2182,7 +2186,7 @@
           <a:p>
             <a:fld id="{3881C039-66A3-4640-815B-3B5A8B7D868D}" type="datetimeFigureOut">
               <a:rPr lang="en-US" smtClean="0"/>
-              <a:t>9/15/2019</a:t>
+              <a:t>9/17/2019</a:t>
             </a:fld>
             <a:endParaRPr lang="en-US"/>
           </a:p>
@@ -2323,7 +2327,7 @@
           <a:p>
             <a:fld id="{3881C039-66A3-4640-815B-3B5A8B7D868D}" type="datetimeFigureOut">
               <a:rPr lang="en-US" smtClean="0"/>
-              <a:t>9/15/2019</a:t>
+              <a:t>9/17/2019</a:t>
             </a:fld>
             <a:endParaRPr lang="en-US"/>
           </a:p>
@@ -2436,7 +2440,7 @@
           <a:p>
             <a:fld id="{3881C039-66A3-4640-815B-3B5A8B7D868D}" type="datetimeFigureOut">
               <a:rPr lang="en-US" smtClean="0"/>
-              <a:t>9/15/2019</a:t>
+              <a:t>9/17/2019</a:t>
             </a:fld>
             <a:endParaRPr lang="en-US"/>
           </a:p>
@@ -2747,7 +2751,7 @@
           <a:p>
             <a:fld id="{3881C039-66A3-4640-815B-3B5A8B7D868D}" type="datetimeFigureOut">
               <a:rPr lang="en-US" smtClean="0"/>
-              <a:t>9/15/2019</a:t>
+              <a:t>9/17/2019</a:t>
             </a:fld>
             <a:endParaRPr lang="en-US"/>
           </a:p>
@@ -3035,7 +3039,7 @@
           <a:p>
             <a:fld id="{3881C039-66A3-4640-815B-3B5A8B7D868D}" type="datetimeFigureOut">
               <a:rPr lang="en-US" smtClean="0"/>
-              <a:t>9/15/2019</a:t>
+              <a:t>9/17/2019</a:t>
             </a:fld>
             <a:endParaRPr lang="en-US"/>
           </a:p>
@@ -3279,7 +3283,7 @@
           <a:p>
             <a:fld id="{3881C039-66A3-4640-815B-3B5A8B7D868D}" type="datetimeFigureOut">
               <a:rPr lang="en-US" smtClean="0"/>
-              <a:t>9/15/2019</a:t>
+              <a:t>9/17/2019</a:t>
             </a:fld>
             <a:endParaRPr lang="en-US"/>
           </a:p>
@@ -4036,7 +4040,7 @@
         </p:nvSpPr>
         <p:spPr>
           <a:xfrm>
-            <a:off x="313938" y="-52157"/>
+            <a:off x="-9962" y="-52157"/>
             <a:ext cx="12192000" cy="6910157"/>
           </a:xfrm>
           <a:prstGeom prst="rect">
@@ -4633,7 +4637,7 @@
         </p:nvSpPr>
         <p:spPr>
           <a:xfrm>
-            <a:off x="313938" y="-52157"/>
+            <a:off x="-3" y="-52157"/>
             <a:ext cx="12192000" cy="6910157"/>
           </a:xfrm>
           <a:prstGeom prst="rect">
@@ -4987,7 +4991,7 @@
         <p:spPr>
           <a:xfrm>
             <a:off x="3080081" y="1520792"/>
-            <a:ext cx="8694130" cy="7109639"/>
+            <a:ext cx="8694130" cy="4524315"/>
           </a:xfrm>
           <a:prstGeom prst="rect">
             <a:avLst/>
@@ -5214,102 +5218,6 @@
               </a:rPr>
               <a:t>Team of Replacement Players Would Get Approximately 44 Wins and 118 Losses</a:t>
             </a:r>
-          </a:p>
-          <a:p>
-            <a:pPr marL="800100" lvl="1" indent="-342900">
-              <a:buFont typeface="Arial" panose="020B0604020202020204" pitchFamily="34" charset="0"/>
-              <a:buChar char="•"/>
-            </a:pPr>
-            <a:endParaRPr lang="en-US" sz="2000" dirty="0">
-              <a:solidFill>
-                <a:schemeClr val="bg1"/>
-              </a:solidFill>
-              <a:latin typeface="Selawik Semibold" panose="020B0702040204020203" pitchFamily="34" charset="0"/>
-            </a:endParaRPr>
-          </a:p>
-          <a:p>
-            <a:pPr marL="342900" indent="-342900">
-              <a:buFont typeface="Arial" panose="020B0604020202020204" pitchFamily="34" charset="0"/>
-              <a:buChar char="•"/>
-            </a:pPr>
-            <a:endParaRPr lang="en-US" sz="2400" dirty="0">
-              <a:solidFill>
-                <a:schemeClr val="bg1"/>
-              </a:solidFill>
-              <a:latin typeface="Selawik Semibold" panose="020B0702040204020203" pitchFamily="34" charset="0"/>
-            </a:endParaRPr>
-          </a:p>
-          <a:p>
-            <a:pPr marL="800100" lvl="1" indent="-342900">
-              <a:buFont typeface="Arial" panose="020B0604020202020204" pitchFamily="34" charset="0"/>
-              <a:buChar char="•"/>
-            </a:pPr>
-            <a:endParaRPr lang="en-US" sz="2000" dirty="0">
-              <a:solidFill>
-                <a:schemeClr val="bg1"/>
-              </a:solidFill>
-              <a:latin typeface="Selawik Semibold" panose="020B0702040204020203" pitchFamily="34" charset="0"/>
-            </a:endParaRPr>
-          </a:p>
-          <a:p>
-            <a:pPr marL="1257300" lvl="2" indent="-342900">
-              <a:buFont typeface="Arial" panose="020B0604020202020204" pitchFamily="34" charset="0"/>
-              <a:buChar char="•"/>
-            </a:pPr>
-            <a:endParaRPr lang="en-US" sz="2400" dirty="0">
-              <a:solidFill>
-                <a:schemeClr val="bg1"/>
-              </a:solidFill>
-              <a:latin typeface="Selawik Semibold" panose="020B0702040204020203" pitchFamily="34" charset="0"/>
-            </a:endParaRPr>
-          </a:p>
-          <a:p>
-            <a:pPr marL="800100" lvl="1" indent="-342900">
-              <a:buFont typeface="Arial" panose="020B0604020202020204" pitchFamily="34" charset="0"/>
-              <a:buChar char="•"/>
-            </a:pPr>
-            <a:endParaRPr lang="en-US" sz="2000" dirty="0">
-              <a:solidFill>
-                <a:schemeClr val="bg1"/>
-              </a:solidFill>
-              <a:latin typeface="Selawik Semibold" panose="020B0702040204020203" pitchFamily="34" charset="0"/>
-            </a:endParaRPr>
-          </a:p>
-          <a:p>
-            <a:pPr marL="800100" lvl="1" indent="-342900">
-              <a:buFont typeface="Arial" panose="020B0604020202020204" pitchFamily="34" charset="0"/>
-              <a:buChar char="•"/>
-            </a:pPr>
-            <a:endParaRPr lang="en-US" sz="2000" dirty="0">
-              <a:solidFill>
-                <a:schemeClr val="bg1"/>
-              </a:solidFill>
-              <a:latin typeface="Selawik Semibold" panose="020B0702040204020203" pitchFamily="34" charset="0"/>
-            </a:endParaRPr>
-          </a:p>
-          <a:p>
-            <a:pPr marL="800100" lvl="1" indent="-342900">
-              <a:buFont typeface="Arial" panose="020B0604020202020204" pitchFamily="34" charset="0"/>
-              <a:buChar char="•"/>
-            </a:pPr>
-            <a:endParaRPr lang="en-US" sz="2000" dirty="0">
-              <a:solidFill>
-                <a:schemeClr val="bg1"/>
-              </a:solidFill>
-              <a:latin typeface="Selawik Semibold" panose="020B0702040204020203" pitchFamily="34" charset="0"/>
-            </a:endParaRPr>
-          </a:p>
-          <a:p>
-            <a:pPr marL="800100" lvl="1" indent="-342900">
-              <a:buFont typeface="Arial" panose="020B0604020202020204" pitchFamily="34" charset="0"/>
-              <a:buChar char="•"/>
-            </a:pPr>
-            <a:endParaRPr lang="en-US" sz="2000" dirty="0">
-              <a:solidFill>
-                <a:schemeClr val="bg1"/>
-              </a:solidFill>
-              <a:latin typeface="Selawik Semibold" panose="020B0702040204020203" pitchFamily="34" charset="0"/>
-            </a:endParaRPr>
           </a:p>
         </p:txBody>
       </p:sp>
@@ -5365,7 +5273,7 @@
         </p:nvSpPr>
         <p:spPr>
           <a:xfrm>
-            <a:off x="313938" y="-52157"/>
+            <a:off x="-2" y="-52157"/>
             <a:ext cx="12192000" cy="6910157"/>
           </a:xfrm>
           <a:prstGeom prst="rect">
@@ -5901,8 +5809,8 @@
           </a:p>
         </p:txBody>
       </p:sp>
-      <mc:AlternateContent xmlns:mc="http://schemas.openxmlformats.org/markup-compatibility/2006">
-        <mc:Choice xmlns:a14="http://schemas.microsoft.com/office/drawing/2010/main" Requires="a14">
+      <mc:AlternateContent xmlns:mc="http://schemas.openxmlformats.org/markup-compatibility/2006" xmlns:a14="http://schemas.microsoft.com/office/drawing/2010/main">
+        <mc:Choice Requires="a14">
           <p:sp>
             <p:nvSpPr>
               <p:cNvPr id="11" name="TextBox 10">
@@ -6138,7 +6046,7 @@
             </p:txBody>
           </p:sp>
         </mc:Choice>
-        <mc:Fallback>
+        <mc:Fallback xmlns="">
           <p:sp>
             <p:nvSpPr>
               <p:cNvPr id="11" name="TextBox 10">
@@ -6183,8 +6091,8 @@
           </p:sp>
         </mc:Fallback>
       </mc:AlternateContent>
-      <mc:AlternateContent xmlns:mc="http://schemas.openxmlformats.org/markup-compatibility/2006">
-        <mc:Choice xmlns:a14="http://schemas.microsoft.com/office/drawing/2010/main" Requires="a14">
+      <mc:AlternateContent xmlns:mc="http://schemas.openxmlformats.org/markup-compatibility/2006" xmlns:a14="http://schemas.microsoft.com/office/drawing/2010/main">
+        <mc:Choice Requires="a14">
           <p:sp>
             <p:nvSpPr>
               <p:cNvPr id="12" name="TextBox 11">
@@ -6323,7 +6231,7 @@
             </p:txBody>
           </p:sp>
         </mc:Choice>
-        <mc:Fallback>
+        <mc:Fallback xmlns="">
           <p:sp>
             <p:nvSpPr>
               <p:cNvPr id="12" name="TextBox 11">
@@ -6429,8 +6337,8 @@
           </a:p>
         </p:txBody>
       </p:sp>
-      <mc:AlternateContent xmlns:mc="http://schemas.openxmlformats.org/markup-compatibility/2006">
-        <mc:Choice xmlns:a14="http://schemas.microsoft.com/office/drawing/2010/main" Requires="a14">
+      <mc:AlternateContent xmlns:mc="http://schemas.openxmlformats.org/markup-compatibility/2006" xmlns:a14="http://schemas.microsoft.com/office/drawing/2010/main">
+        <mc:Choice Requires="a14">
           <p:sp>
             <p:nvSpPr>
               <p:cNvPr id="14" name="TextBox 13">
@@ -6569,7 +6477,7 @@
             </p:txBody>
           </p:sp>
         </mc:Choice>
-        <mc:Fallback>
+        <mc:Fallback xmlns="">
           <p:sp>
             <p:nvSpPr>
               <p:cNvPr id="14" name="TextBox 13">
@@ -6666,7 +6574,7 @@
         </p:nvSpPr>
         <p:spPr>
           <a:xfrm>
-            <a:off x="313938" y="-52157"/>
+            <a:off x="0" y="-52157"/>
             <a:ext cx="12192000" cy="6910157"/>
           </a:xfrm>
           <a:prstGeom prst="rect">
@@ -7200,8 +7108,8 @@
           </a:ln>
         </p:spPr>
       </p:pic>
-      <mc:AlternateContent xmlns:mc="http://schemas.openxmlformats.org/markup-compatibility/2006">
-        <mc:Choice xmlns:a14="http://schemas.microsoft.com/office/drawing/2010/main" Requires="a14">
+      <mc:AlternateContent xmlns:mc="http://schemas.openxmlformats.org/markup-compatibility/2006" xmlns:a14="http://schemas.microsoft.com/office/drawing/2010/main">
+        <mc:Choice Requires="a14">
           <p:sp>
             <p:nvSpPr>
               <p:cNvPr id="18" name="TextBox 17">
@@ -7230,6 +7138,7 @@
               </a:bodyPr>
               <a:lstStyle/>
               <a:p>
+                <a:pPr/>
                 <a14:m>
                   <m:oMathPara xmlns:m="http://schemas.openxmlformats.org/officeDocument/2006/math">
                     <m:oMathParaPr>
@@ -7329,7 +7238,7 @@
             </p:txBody>
           </p:sp>
         </mc:Choice>
-        <mc:Fallback>
+        <mc:Fallback xmlns="">
           <p:sp>
             <p:nvSpPr>
               <p:cNvPr id="18" name="TextBox 17">
@@ -7374,8 +7283,8 @@
           </p:sp>
         </mc:Fallback>
       </mc:AlternateContent>
-      <mc:AlternateContent xmlns:mc="http://schemas.openxmlformats.org/markup-compatibility/2006">
-        <mc:Choice xmlns:a14="http://schemas.microsoft.com/office/drawing/2010/main" Requires="a14">
+      <mc:AlternateContent xmlns:mc="http://schemas.openxmlformats.org/markup-compatibility/2006" xmlns:a14="http://schemas.microsoft.com/office/drawing/2010/main">
+        <mc:Choice Requires="a14">
           <p:sp>
             <p:nvSpPr>
               <p:cNvPr id="19" name="TextBox 18">
@@ -7404,6 +7313,7 @@
               </a:bodyPr>
               <a:lstStyle/>
               <a:p>
+                <a:pPr/>
                 <a14:m>
                   <m:oMathPara xmlns:m="http://schemas.openxmlformats.org/officeDocument/2006/math">
                     <m:oMathParaPr>
@@ -7494,7 +7404,7 @@
             </p:txBody>
           </p:sp>
         </mc:Choice>
-        <mc:Fallback>
+        <mc:Fallback xmlns="">
           <p:sp>
             <p:nvSpPr>
               <p:cNvPr id="19" name="TextBox 18">
@@ -7591,7 +7501,7 @@
         </p:nvSpPr>
         <p:spPr>
           <a:xfrm>
-            <a:off x="313938" y="-52157"/>
+            <a:off x="-2" y="-52157"/>
             <a:ext cx="12192000" cy="6910157"/>
           </a:xfrm>
           <a:prstGeom prst="rect">
@@ -8130,8 +8040,8 @@
           </a:prstGeom>
         </p:spPr>
       </p:pic>
-      <mc:AlternateContent xmlns:mc="http://schemas.openxmlformats.org/markup-compatibility/2006">
-        <mc:Choice xmlns:a14="http://schemas.microsoft.com/office/drawing/2010/main" Requires="a14">
+      <mc:AlternateContent xmlns:mc="http://schemas.openxmlformats.org/markup-compatibility/2006" xmlns:a14="http://schemas.microsoft.com/office/drawing/2010/main">
+        <mc:Choice Requires="a14">
           <p:sp>
             <p:nvSpPr>
               <p:cNvPr id="20" name="TextBox 19">
@@ -8160,6 +8070,7 @@
               </a:bodyPr>
               <a:lstStyle/>
               <a:p>
+                <a:pPr/>
                 <a14:m>
                   <m:oMathPara xmlns:m="http://schemas.openxmlformats.org/officeDocument/2006/math">
                     <m:oMathParaPr>
@@ -8304,7 +8215,7 @@
             </p:txBody>
           </p:sp>
         </mc:Choice>
-        <mc:Fallback>
+        <mc:Fallback xmlns="">
           <p:sp>
             <p:nvSpPr>
               <p:cNvPr id="20" name="TextBox 19">
@@ -8401,7 +8312,7 @@
         </p:nvSpPr>
         <p:spPr>
           <a:xfrm>
-            <a:off x="313938" y="-52157"/>
+            <a:off x="0" y="-52157"/>
             <a:ext cx="12192000" cy="6910157"/>
           </a:xfrm>
           <a:prstGeom prst="rect">
@@ -8904,14 +8815,6 @@
 <file path=ppt/slides/slide16.xml><?xml version="1.0" encoding="utf-8"?>
 <p:sld xmlns:a="http://schemas.openxmlformats.org/drawingml/2006/main" xmlns:r="http://schemas.openxmlformats.org/officeDocument/2006/relationships" xmlns:p="http://schemas.openxmlformats.org/presentationml/2006/main">
   <p:cSld>
-    <p:bg>
-      <p:bgPr>
-        <a:solidFill>
-          <a:srgbClr val="395583"/>
-        </a:solidFill>
-        <a:effectLst/>
-      </p:bgPr>
-    </p:bg>
     <p:spTree>
       <p:nvGrpSpPr>
         <p:cNvPr id="1" name=""/>
@@ -8926,12 +8829,61 @@
           <a:chExt cx="0" cy="0"/>
         </a:xfrm>
       </p:grpSpPr>
+      <p:sp>
+        <p:nvSpPr>
+          <p:cNvPr id="17" name="Rectangle 16">
+            <a:extLst>
+              <a:ext uri="{FF2B5EF4-FFF2-40B4-BE49-F238E27FC236}">
+                <a16:creationId xmlns:a16="http://schemas.microsoft.com/office/drawing/2014/main" id="{0A8FE870-A334-4DE1-84A7-AB191ED10D63}"/>
+              </a:ext>
+            </a:extLst>
+          </p:cNvPr>
+          <p:cNvSpPr/>
+          <p:nvPr/>
+        </p:nvSpPr>
+        <p:spPr>
+          <a:xfrm>
+            <a:off x="-2" y="-52157"/>
+            <a:ext cx="12192000" cy="6910157"/>
+          </a:xfrm>
+          <a:prstGeom prst="rect">
+            <a:avLst/>
+          </a:prstGeom>
+          <a:solidFill>
+            <a:srgbClr val="395583"/>
+          </a:solidFill>
+        </p:spPr>
+        <p:style>
+          <a:lnRef idx="2">
+            <a:schemeClr val="accent1">
+              <a:shade val="50000"/>
+            </a:schemeClr>
+          </a:lnRef>
+          <a:fillRef idx="1">
+            <a:schemeClr val="accent1"/>
+          </a:fillRef>
+          <a:effectRef idx="0">
+            <a:schemeClr val="accent1"/>
+          </a:effectRef>
+          <a:fontRef idx="minor">
+            <a:schemeClr val="lt1"/>
+          </a:fontRef>
+        </p:style>
+        <p:txBody>
+          <a:bodyPr rtlCol="0" anchor="ctr"/>
+          <a:lstStyle/>
+          <a:p>
+            <a:pPr algn="ctr"/>
+            <a:endParaRPr lang="en-US"/>
+          </a:p>
+        </p:txBody>
+      </p:sp>
       <p:pic>
         <p:nvPicPr>
-          <p:cNvPr id="5" name="Picture 4" descr="A picture containing indoor&#10;&#10;Description automatically generated">
-            <a:extLst>
-              <a:ext uri="{FF2B5EF4-FFF2-40B4-BE49-F238E27FC236}">
-                <a16:creationId xmlns:a16="http://schemas.microsoft.com/office/drawing/2014/main" id="{48589EA3-03B9-4D42-8282-8AC52D63CBF3}"/>
+          <p:cNvPr id="8" name="Picture 7" descr="A close up of a toy&#10;&#10;Description automatically generated">
+            <a:extLst>
+              <a:ext uri="{FF2B5EF4-FFF2-40B4-BE49-F238E27FC236}">
+                <a16:creationId xmlns:a16="http://schemas.microsoft.com/office/drawing/2014/main" id="{131D5527-B848-4F84-9601-62DB93565332}"/>
               </a:ext>
             </a:extLst>
           </p:cNvPr>
@@ -8948,99 +8900,137 @@
               </a:ext>
             </a:extLst>
           </a:blip>
-          <a:srcRect l="19805" r="19804" b="-1"/>
+          <a:srcRect l="6238" r="10796"/>
           <a:stretch/>
         </p:blipFill>
         <p:spPr>
           <a:xfrm>
-            <a:off x="20" y="10"/>
-            <a:ext cx="6024134" cy="6857990"/>
-          </a:xfrm>
-          <a:custGeom>
+            <a:off x="0" y="-52157"/>
+            <a:ext cx="2684015" cy="3969421"/>
+          </a:xfrm>
+          <a:prstGeom prst="rect">
             <a:avLst/>
-            <a:gdLst>
-              <a:gd name="connsiteX0" fmla="*/ 0 w 6024154"/>
-              <a:gd name="connsiteY0" fmla="*/ 0 h 6858000"/>
-              <a:gd name="connsiteX1" fmla="*/ 5953780 w 6024154"/>
-              <a:gd name="connsiteY1" fmla="*/ 0 h 6858000"/>
-              <a:gd name="connsiteX2" fmla="*/ 5989880 w 6024154"/>
-              <a:gd name="connsiteY2" fmla="*/ 284091 h 6858000"/>
-              <a:gd name="connsiteX3" fmla="*/ 6024154 w 6024154"/>
-              <a:gd name="connsiteY3" fmla="*/ 962844 h 6858000"/>
-              <a:gd name="connsiteX4" fmla="*/ 2549934 w 6024154"/>
-              <a:gd name="connsiteY4" fmla="*/ 6800152 h 6858000"/>
-              <a:gd name="connsiteX5" fmla="*/ 2436987 w 6024154"/>
-              <a:gd name="connsiteY5" fmla="*/ 6858000 h 6858000"/>
-              <a:gd name="connsiteX6" fmla="*/ 0 w 6024154"/>
-              <a:gd name="connsiteY6" fmla="*/ 6858000 h 6858000"/>
-            </a:gdLst>
-            <a:ahLst/>
-            <a:cxnLst>
-              <a:cxn ang="0">
-                <a:pos x="connsiteX0" y="connsiteY0"/>
-              </a:cxn>
-              <a:cxn ang="0">
-                <a:pos x="connsiteX1" y="connsiteY1"/>
-              </a:cxn>
-              <a:cxn ang="0">
-                <a:pos x="connsiteX2" y="connsiteY2"/>
-              </a:cxn>
-              <a:cxn ang="0">
-                <a:pos x="connsiteX3" y="connsiteY3"/>
-              </a:cxn>
-              <a:cxn ang="0">
-                <a:pos x="connsiteX4" y="connsiteY4"/>
-              </a:cxn>
-              <a:cxn ang="0">
-                <a:pos x="connsiteX5" y="connsiteY5"/>
-              </a:cxn>
-              <a:cxn ang="0">
-                <a:pos x="connsiteX6" y="connsiteY6"/>
-              </a:cxn>
-            </a:cxnLst>
-            <a:rect l="l" t="t" r="r" b="b"/>
-            <a:pathLst>
-              <a:path w="6024154" h="6858000">
-                <a:moveTo>
-                  <a:pt x="0" y="0"/>
-                </a:moveTo>
-                <a:lnTo>
-                  <a:pt x="5953780" y="0"/>
-                </a:lnTo>
-                <a:lnTo>
-                  <a:pt x="5989880" y="284091"/>
-                </a:lnTo>
-                <a:cubicBezTo>
-                  <a:pt x="6012544" y="507260"/>
-                  <a:pt x="6024154" y="733696"/>
-                  <a:pt x="6024154" y="962844"/>
-                </a:cubicBezTo>
-                <a:cubicBezTo>
-                  <a:pt x="6024154" y="3483472"/>
-                  <a:pt x="4619336" y="5675986"/>
-                  <a:pt x="2549934" y="6800152"/>
-                </a:cubicBezTo>
-                <a:lnTo>
-                  <a:pt x="2436987" y="6858000"/>
-                </a:lnTo>
-                <a:lnTo>
-                  <a:pt x="0" y="6858000"/>
-                </a:lnTo>
-                <a:close/>
-              </a:path>
-            </a:pathLst>
-          </a:custGeom>
-          <a:ln w="28575">
-            <a:noFill/>
-          </a:ln>
+          </a:prstGeom>
         </p:spPr>
       </p:pic>
       <p:sp>
         <p:nvSpPr>
-          <p:cNvPr id="12" name="Title 1">
-            <a:extLst>
-              <a:ext uri="{FF2B5EF4-FFF2-40B4-BE49-F238E27FC236}">
-                <a16:creationId xmlns:a16="http://schemas.microsoft.com/office/drawing/2014/main" id="{0B9C460C-DD3D-4F1C-9FEE-8EC7228DF8C8}"/>
+          <p:cNvPr id="33" name="Rectangle 32">
+            <a:extLst>
+              <a:ext uri="{FF2B5EF4-FFF2-40B4-BE49-F238E27FC236}">
+                <a16:creationId xmlns:a16="http://schemas.microsoft.com/office/drawing/2014/main" id="{6F93929A-DE1C-47C4-AF97-F99DB104E96F}"/>
+              </a:ext>
+            </a:extLst>
+          </p:cNvPr>
+          <p:cNvSpPr/>
+          <p:nvPr/>
+        </p:nvSpPr>
+        <p:spPr>
+          <a:xfrm rot="16200000">
+            <a:off x="782431" y="1849427"/>
+            <a:ext cx="3969421" cy="166254"/>
+          </a:xfrm>
+          <a:prstGeom prst="rect">
+            <a:avLst/>
+          </a:prstGeom>
+          <a:solidFill>
+            <a:schemeClr val="tx1"/>
+          </a:solidFill>
+          <a:ln>
+            <a:noFill/>
+          </a:ln>
+        </p:spPr>
+        <p:style>
+          <a:lnRef idx="2">
+            <a:schemeClr val="accent1">
+              <a:shade val="50000"/>
+            </a:schemeClr>
+          </a:lnRef>
+          <a:fillRef idx="1">
+            <a:schemeClr val="accent1"/>
+          </a:fillRef>
+          <a:effectRef idx="0">
+            <a:schemeClr val="accent1"/>
+          </a:effectRef>
+          <a:fontRef idx="minor">
+            <a:schemeClr val="lt1"/>
+          </a:fontRef>
+        </p:style>
+        <p:txBody>
+          <a:bodyPr rtlCol="0" anchor="ctr"/>
+          <a:lstStyle/>
+          <a:p>
+            <a:pPr algn="ctr"/>
+            <a:endParaRPr lang="en-US" dirty="0">
+              <a:solidFill>
+                <a:srgbClr val="DB5B5C"/>
+              </a:solidFill>
+            </a:endParaRPr>
+          </a:p>
+        </p:txBody>
+      </p:sp>
+      <p:sp>
+        <p:nvSpPr>
+          <p:cNvPr id="35" name="Rectangle 34">
+            <a:extLst>
+              <a:ext uri="{FF2B5EF4-FFF2-40B4-BE49-F238E27FC236}">
+                <a16:creationId xmlns:a16="http://schemas.microsoft.com/office/drawing/2014/main" id="{259A39E4-556F-4581-82A2-C6B68A8147A4}"/>
+              </a:ext>
+            </a:extLst>
+          </p:cNvPr>
+          <p:cNvSpPr/>
+          <p:nvPr/>
+        </p:nvSpPr>
+        <p:spPr>
+          <a:xfrm rot="10800000">
+            <a:off x="-2" y="3756674"/>
+            <a:ext cx="2850269" cy="3101326"/>
+          </a:xfrm>
+          <a:prstGeom prst="rect">
+            <a:avLst/>
+          </a:prstGeom>
+          <a:solidFill>
+            <a:schemeClr val="tx1"/>
+          </a:solidFill>
+          <a:ln>
+            <a:noFill/>
+          </a:ln>
+        </p:spPr>
+        <p:style>
+          <a:lnRef idx="2">
+            <a:schemeClr val="accent1">
+              <a:shade val="50000"/>
+            </a:schemeClr>
+          </a:lnRef>
+          <a:fillRef idx="1">
+            <a:schemeClr val="accent1"/>
+          </a:fillRef>
+          <a:effectRef idx="0">
+            <a:schemeClr val="accent1"/>
+          </a:effectRef>
+          <a:fontRef idx="minor">
+            <a:schemeClr val="lt1"/>
+          </a:fontRef>
+        </p:style>
+        <p:txBody>
+          <a:bodyPr rtlCol="0" anchor="ctr"/>
+          <a:lstStyle/>
+          <a:p>
+            <a:pPr algn="ctr"/>
+            <a:endParaRPr lang="en-US" dirty="0">
+              <a:solidFill>
+                <a:srgbClr val="DB5B5C"/>
+              </a:solidFill>
+            </a:endParaRPr>
+          </a:p>
+        </p:txBody>
+      </p:sp>
+      <p:sp>
+        <p:nvSpPr>
+          <p:cNvPr id="23" name="Subtitle 22">
+            <a:extLst>
+              <a:ext uri="{FF2B5EF4-FFF2-40B4-BE49-F238E27FC236}">
+                <a16:creationId xmlns:a16="http://schemas.microsoft.com/office/drawing/2014/main" id="{1E5D6413-9C6F-483D-BE52-F3BBB1E74630}"/>
               </a:ext>
             </a:extLst>
           </p:cNvPr>
@@ -9048,287 +9038,1898 @@
             <a:spLocks noGrp="1"/>
           </p:cNvSpPr>
           <p:nvPr>
-            <p:ph type="ctrTitle"/>
+            <p:ph type="subTitle" idx="1"/>
           </p:nvPr>
         </p:nvSpPr>
         <p:spPr>
           <a:xfrm>
-            <a:off x="4232779" y="359964"/>
-            <a:ext cx="7834193" cy="1264588"/>
+            <a:off x="3007491" y="137620"/>
+            <a:ext cx="9341732" cy="1684867"/>
           </a:xfrm>
         </p:spPr>
         <p:txBody>
-          <a:bodyPr anchor="ctr">
+          <a:bodyPr>
             <a:normAutofit/>
           </a:bodyPr>
           <a:lstStyle/>
           <a:p>
-            <a:pPr algn="r"/>
-            <a:r>
-              <a:rPr lang="en-US" dirty="0">
+            <a:pPr algn="l"/>
+            <a:r>
+              <a:rPr lang="en-US" sz="4400" dirty="0">
+                <a:solidFill>
+                  <a:schemeClr val="bg1"/>
+                </a:solidFill>
                 <a:latin typeface="Selawik Semibold" panose="020B0702040204020203" pitchFamily="34" charset="0"/>
               </a:rPr>
-              <a:t>Final Inspiration</a:t>
-            </a:r>
+              <a:t>Wins Above Replacement</a:t>
+            </a:r>
+          </a:p>
+        </p:txBody>
+      </p:sp>
+      <p:pic>
+        <p:nvPicPr>
+          <p:cNvPr id="16" name="Picture 15" descr="A close up of a toy&#10;&#10;Description automatically generated">
+            <a:extLst>
+              <a:ext uri="{FF2B5EF4-FFF2-40B4-BE49-F238E27FC236}">
+                <a16:creationId xmlns:a16="http://schemas.microsoft.com/office/drawing/2014/main" id="{94C75949-F15C-4E05-810D-EF40FCE89107}"/>
+              </a:ext>
+            </a:extLst>
+          </p:cNvPr>
+          <p:cNvPicPr>
+            <a:picLocks noChangeAspect="1"/>
+          </p:cNvPicPr>
+          <p:nvPr/>
+        </p:nvPicPr>
+        <p:blipFill>
+          <a:blip r:embed="rId3">
+            <a:extLst>
+              <a:ext uri="{28A0092B-C50C-407E-A947-70E740481C1C}">
+                <a14:useLocalDpi xmlns:a14="http://schemas.microsoft.com/office/drawing/2010/main" val="0"/>
+              </a:ext>
+            </a:extLst>
+          </a:blip>
+          <a:stretch>
+            <a:fillRect/>
+          </a:stretch>
+        </p:blipFill>
+        <p:spPr>
+          <a:xfrm>
+            <a:off x="417789" y="4380288"/>
+            <a:ext cx="2014687" cy="2014687"/>
+          </a:xfrm>
+          <a:prstGeom prst="ellipse">
+            <a:avLst/>
+          </a:prstGeom>
+          <a:ln w="63500" cap="rnd">
+            <a:solidFill>
+              <a:srgbClr val="333333"/>
+            </a:solidFill>
+          </a:ln>
+          <a:effectLst>
+            <a:outerShdw blurRad="381000" dist="292100" dir="5400000" sx="-80000" sy="-18000" rotWithShape="0">
+              <a:srgbClr val="000000">
+                <a:alpha val="22000"/>
+              </a:srgbClr>
+            </a:outerShdw>
+          </a:effectLst>
+          <a:scene3d>
+            <a:camera prst="orthographicFront"/>
+            <a:lightRig rig="contrasting" dir="t">
+              <a:rot lat="0" lon="0" rev="3000000"/>
+            </a:lightRig>
+          </a:scene3d>
+          <a:sp3d contourW="7620">
+            <a:bevelT w="95250" h="31750"/>
+            <a:contourClr>
+              <a:srgbClr val="333333"/>
+            </a:contourClr>
+          </a:sp3d>
+        </p:spPr>
+      </p:pic>
+      <p:sp>
+        <p:nvSpPr>
+          <p:cNvPr id="38" name="Rectangle 37">
+            <a:extLst>
+              <a:ext uri="{FF2B5EF4-FFF2-40B4-BE49-F238E27FC236}">
+                <a16:creationId xmlns:a16="http://schemas.microsoft.com/office/drawing/2014/main" id="{28B1909D-4141-4FB1-8633-83F335349C97}"/>
+              </a:ext>
+            </a:extLst>
+          </p:cNvPr>
+          <p:cNvSpPr/>
+          <p:nvPr/>
+        </p:nvSpPr>
+        <p:spPr>
+          <a:xfrm rot="10800000">
+            <a:off x="3007493" y="844062"/>
+            <a:ext cx="9027282" cy="137067"/>
+          </a:xfrm>
+          <a:prstGeom prst="rect">
+            <a:avLst/>
+          </a:prstGeom>
+          <a:solidFill>
+            <a:schemeClr val="tx1"/>
+          </a:solidFill>
+          <a:ln>
+            <a:noFill/>
+          </a:ln>
+        </p:spPr>
+        <p:style>
+          <a:lnRef idx="2">
+            <a:schemeClr val="accent1">
+              <a:shade val="50000"/>
+            </a:schemeClr>
+          </a:lnRef>
+          <a:fillRef idx="1">
+            <a:schemeClr val="accent1"/>
+          </a:fillRef>
+          <a:effectRef idx="0">
+            <a:schemeClr val="accent1"/>
+          </a:effectRef>
+          <a:fontRef idx="minor">
+            <a:schemeClr val="lt1"/>
+          </a:fontRef>
+        </p:style>
+        <p:txBody>
+          <a:bodyPr rtlCol="0" anchor="ctr"/>
+          <a:lstStyle/>
+          <a:p>
+            <a:pPr algn="ctr"/>
+            <a:endParaRPr lang="en-US" dirty="0">
+              <a:solidFill>
+                <a:srgbClr val="DB5B5C"/>
+              </a:solidFill>
+            </a:endParaRPr>
           </a:p>
         </p:txBody>
       </p:sp>
       <p:sp>
         <p:nvSpPr>
-          <p:cNvPr id="16" name="Content Placeholder 8">
-            <a:extLst>
-              <a:ext uri="{FF2B5EF4-FFF2-40B4-BE49-F238E27FC236}">
-                <a16:creationId xmlns:a16="http://schemas.microsoft.com/office/drawing/2014/main" id="{EFC1D832-5298-413A-ACCB-93C0C72C636D}"/>
-              </a:ext>
-            </a:extLst>
-          </p:cNvPr>
-          <p:cNvSpPr txBox="1">
-            <a:spLocks/>
-          </p:cNvSpPr>
+          <p:cNvPr id="10" name="TextBox 9">
+            <a:extLst>
+              <a:ext uri="{FF2B5EF4-FFF2-40B4-BE49-F238E27FC236}">
+                <a16:creationId xmlns:a16="http://schemas.microsoft.com/office/drawing/2014/main" id="{8A07C2CC-416F-4D29-84CF-D1F8B766EE5F}"/>
+              </a:ext>
+            </a:extLst>
+          </p:cNvPr>
+          <p:cNvSpPr txBox="1"/>
           <p:nvPr/>
         </p:nvSpPr>
         <p:spPr>
           <a:xfrm>
-            <a:off x="4780345" y="4357577"/>
-            <a:ext cx="7105564" cy="3247008"/>
+            <a:off x="3080080" y="1520792"/>
+            <a:ext cx="8532800" cy="3539430"/>
           </a:xfrm>
           <a:prstGeom prst="rect">
             <a:avLst/>
           </a:prstGeom>
+          <a:noFill/>
         </p:spPr>
         <p:txBody>
-          <a:bodyPr vert="horz" lIns="91440" tIns="45720" rIns="91440" bIns="45720" rtlCol="0">
-            <a:normAutofit/>
+          <a:bodyPr wrap="square" rtlCol="0">
+            <a:spAutoFit/>
           </a:bodyPr>
-          <a:lstStyle>
-            <a:lvl1pPr marL="0" indent="0" algn="ctr" defTabSz="914400" rtl="0" eaLnBrk="1" latinLnBrk="0" hangingPunct="1">
-              <a:lnSpc>
-                <a:spcPct val="90000"/>
-              </a:lnSpc>
-              <a:spcBef>
-                <a:spcPts val="1000"/>
-              </a:spcBef>
+          <a:lstStyle/>
+          <a:p>
+            <a:pPr marL="342900" indent="-342900">
               <a:buFont typeface="Arial" panose="020B0604020202020204" pitchFamily="34" charset="0"/>
-              <a:buNone/>
-              <a:defRPr sz="2400" kern="1200">
+              <a:buChar char="•"/>
+            </a:pPr>
+            <a:r>
+              <a:rPr lang="en-US" sz="2400" dirty="0">
                 <a:solidFill>
-                  <a:schemeClr val="tx1"/>
+                  <a:schemeClr val="bg1"/>
                 </a:solidFill>
-                <a:latin typeface="+mn-lt"/>
-                <a:ea typeface="+mn-ea"/>
-                <a:cs typeface="+mn-cs"/>
-              </a:defRPr>
-            </a:lvl1pPr>
-            <a:lvl2pPr marL="457200" indent="0" algn="ctr" defTabSz="914400" rtl="0" eaLnBrk="1" latinLnBrk="0" hangingPunct="1">
-              <a:lnSpc>
-                <a:spcPct val="90000"/>
-              </a:lnSpc>
-              <a:spcBef>
-                <a:spcPts val="500"/>
-              </a:spcBef>
-              <a:buFont typeface="Arial" panose="020B0604020202020204" pitchFamily="34" charset="0"/>
-              <a:buNone/>
-              <a:defRPr sz="2000" kern="1200">
-                <a:solidFill>
-                  <a:schemeClr val="tx1"/>
-                </a:solidFill>
-                <a:latin typeface="+mn-lt"/>
-                <a:ea typeface="+mn-ea"/>
-                <a:cs typeface="+mn-cs"/>
-              </a:defRPr>
-            </a:lvl2pPr>
-            <a:lvl3pPr marL="914400" indent="0" algn="ctr" defTabSz="914400" rtl="0" eaLnBrk="1" latinLnBrk="0" hangingPunct="1">
-              <a:lnSpc>
-                <a:spcPct val="90000"/>
-              </a:lnSpc>
-              <a:spcBef>
-                <a:spcPts val="500"/>
-              </a:spcBef>
-              <a:buFont typeface="Arial" panose="020B0604020202020204" pitchFamily="34" charset="0"/>
-              <a:buNone/>
-              <a:defRPr sz="1800" kern="1200">
-                <a:solidFill>
-                  <a:schemeClr val="tx1"/>
-                </a:solidFill>
-                <a:latin typeface="+mn-lt"/>
-                <a:ea typeface="+mn-ea"/>
-                <a:cs typeface="+mn-cs"/>
-              </a:defRPr>
-            </a:lvl3pPr>
-            <a:lvl4pPr marL="1371600" indent="0" algn="ctr" defTabSz="914400" rtl="0" eaLnBrk="1" latinLnBrk="0" hangingPunct="1">
-              <a:lnSpc>
-                <a:spcPct val="90000"/>
-              </a:lnSpc>
-              <a:spcBef>
-                <a:spcPts val="500"/>
-              </a:spcBef>
-              <a:buFont typeface="Arial" panose="020B0604020202020204" pitchFamily="34" charset="0"/>
-              <a:buNone/>
-              <a:defRPr sz="1600" kern="1200">
-                <a:solidFill>
-                  <a:schemeClr val="tx1"/>
-                </a:solidFill>
-                <a:latin typeface="+mn-lt"/>
-                <a:ea typeface="+mn-ea"/>
-                <a:cs typeface="+mn-cs"/>
-              </a:defRPr>
-            </a:lvl4pPr>
-            <a:lvl5pPr marL="1828800" indent="0" algn="ctr" defTabSz="914400" rtl="0" eaLnBrk="1" latinLnBrk="0" hangingPunct="1">
-              <a:lnSpc>
-                <a:spcPct val="90000"/>
-              </a:lnSpc>
-              <a:spcBef>
-                <a:spcPts val="500"/>
-              </a:spcBef>
-              <a:buFont typeface="Arial" panose="020B0604020202020204" pitchFamily="34" charset="0"/>
-              <a:buNone/>
-              <a:defRPr sz="1600" kern="1200">
-                <a:solidFill>
-                  <a:schemeClr val="tx1"/>
-                </a:solidFill>
-                <a:latin typeface="+mn-lt"/>
-                <a:ea typeface="+mn-ea"/>
-                <a:cs typeface="+mn-cs"/>
-              </a:defRPr>
-            </a:lvl5pPr>
-            <a:lvl6pPr marL="2286000" indent="0" algn="ctr" defTabSz="914400" rtl="0" eaLnBrk="1" latinLnBrk="0" hangingPunct="1">
-              <a:lnSpc>
-                <a:spcPct val="90000"/>
-              </a:lnSpc>
-              <a:spcBef>
-                <a:spcPts val="500"/>
-              </a:spcBef>
-              <a:buFont typeface="Arial" panose="020B0604020202020204" pitchFamily="34" charset="0"/>
-              <a:buNone/>
-              <a:defRPr sz="1600" kern="1200">
-                <a:solidFill>
-                  <a:schemeClr val="tx1"/>
-                </a:solidFill>
-                <a:latin typeface="+mn-lt"/>
-                <a:ea typeface="+mn-ea"/>
-                <a:cs typeface="+mn-cs"/>
-              </a:defRPr>
-            </a:lvl6pPr>
-            <a:lvl7pPr marL="2743200" indent="0" algn="ctr" defTabSz="914400" rtl="0" eaLnBrk="1" latinLnBrk="0" hangingPunct="1">
-              <a:lnSpc>
-                <a:spcPct val="90000"/>
-              </a:lnSpc>
-              <a:spcBef>
-                <a:spcPts val="500"/>
-              </a:spcBef>
-              <a:buFont typeface="Arial" panose="020B0604020202020204" pitchFamily="34" charset="0"/>
-              <a:buNone/>
-              <a:defRPr sz="1600" kern="1200">
-                <a:solidFill>
-                  <a:schemeClr val="tx1"/>
-                </a:solidFill>
-                <a:latin typeface="+mn-lt"/>
-                <a:ea typeface="+mn-ea"/>
-                <a:cs typeface="+mn-cs"/>
-              </a:defRPr>
-            </a:lvl7pPr>
-            <a:lvl8pPr marL="3200400" indent="0" algn="ctr" defTabSz="914400" rtl="0" eaLnBrk="1" latinLnBrk="0" hangingPunct="1">
-              <a:lnSpc>
-                <a:spcPct val="90000"/>
-              </a:lnSpc>
-              <a:spcBef>
-                <a:spcPts val="500"/>
-              </a:spcBef>
-              <a:buFont typeface="Arial" panose="020B0604020202020204" pitchFamily="34" charset="0"/>
-              <a:buNone/>
-              <a:defRPr sz="1600" kern="1200">
-                <a:solidFill>
-                  <a:schemeClr val="tx1"/>
-                </a:solidFill>
-                <a:latin typeface="+mn-lt"/>
-                <a:ea typeface="+mn-ea"/>
-                <a:cs typeface="+mn-cs"/>
-              </a:defRPr>
-            </a:lvl8pPr>
-            <a:lvl9pPr marL="3657600" indent="0" algn="ctr" defTabSz="914400" rtl="0" eaLnBrk="1" latinLnBrk="0" hangingPunct="1">
-              <a:lnSpc>
-                <a:spcPct val="90000"/>
-              </a:lnSpc>
-              <a:spcBef>
-                <a:spcPts val="500"/>
-              </a:spcBef>
-              <a:buFont typeface="Arial" panose="020B0604020202020204" pitchFamily="34" charset="0"/>
-              <a:buNone/>
-              <a:defRPr sz="1600" kern="1200">
-                <a:solidFill>
-                  <a:schemeClr val="tx1"/>
-                </a:solidFill>
-                <a:latin typeface="+mn-lt"/>
-                <a:ea typeface="+mn-ea"/>
-                <a:cs typeface="+mn-cs"/>
-              </a:defRPr>
-            </a:lvl9pPr>
-          </a:lstStyle>
-          <a:p>
-            <a:pPr algn="r"/>
-            <a:r>
-              <a:rPr lang="en-US" sz="2800" dirty="0">
                 <a:latin typeface="Selawik Semibold" panose="020B0702040204020203" pitchFamily="34" charset="0"/>
               </a:rPr>
-              <a:t>Yesterday’s home runs don’t</a:t>
-            </a:r>
-          </a:p>
-          <a:p>
-            <a:pPr algn="r"/>
-            <a:r>
-              <a:rPr lang="en-US" sz="2800" dirty="0">
+              <a:t>Wins Above Replacement (WAR)</a:t>
+            </a:r>
+          </a:p>
+          <a:p>
+            <a:pPr marL="800100" lvl="1" indent="-342900">
+              <a:buFont typeface="Arial" panose="020B0604020202020204" pitchFamily="34" charset="0"/>
+              <a:buChar char="•"/>
+            </a:pPr>
+            <a:r>
+              <a:rPr lang="en-US" sz="2000" dirty="0">
+                <a:solidFill>
+                  <a:schemeClr val="bg1"/>
+                </a:solidFill>
                 <a:latin typeface="Selawik Semibold" panose="020B0702040204020203" pitchFamily="34" charset="0"/>
               </a:rPr>
-              <a:t> win today’s games.</a:t>
-            </a:r>
-          </a:p>
-          <a:p>
-            <a:pPr algn="r"/>
-            <a:r>
-              <a:rPr lang="en-US" sz="2800" dirty="0">
+              <a:t>Attempt to Measure All of a Baseball’s Player’s Contributions</a:t>
+            </a:r>
+          </a:p>
+          <a:p>
+            <a:pPr marL="800100" lvl="1" indent="-342900">
+              <a:buFont typeface="Arial" panose="020B0604020202020204" pitchFamily="34" charset="0"/>
+              <a:buChar char="•"/>
+            </a:pPr>
+            <a:r>
+              <a:rPr lang="en-US" sz="2000" dirty="0">
+                <a:solidFill>
+                  <a:schemeClr val="bg1"/>
+                </a:solidFill>
                 <a:latin typeface="Selawik Semibold" panose="020B0702040204020203" pitchFamily="34" charset="0"/>
               </a:rPr>
-              <a:t> </a:t>
-            </a:r>
-          </a:p>
-          <a:p>
-            <a:pPr algn="r"/>
-            <a:r>
-              <a:rPr lang="en-US" sz="2800" dirty="0">
+              <a:t>What is it good for? Absolutely Everything</a:t>
+            </a:r>
+          </a:p>
+          <a:p>
+            <a:pPr marL="800100" lvl="1" indent="-342900">
+              <a:buFont typeface="Arial" panose="020B0604020202020204" pitchFamily="34" charset="0"/>
+              <a:buChar char="•"/>
+            </a:pPr>
+            <a:r>
+              <a:rPr lang="en-US" sz="2000" dirty="0">
+                <a:solidFill>
+                  <a:schemeClr val="bg1"/>
+                </a:solidFill>
                 <a:latin typeface="Selawik Semibold" panose="020B0702040204020203" pitchFamily="34" charset="0"/>
               </a:rPr>
-              <a:t>-Babe Ruth</a:t>
-            </a:r>
-          </a:p>
-          <a:p>
-            <a:pPr lvl="2" algn="r"/>
-            <a:endParaRPr lang="en-US" sz="2800" dirty="0">
+              <a:t>Not Comparing to Average Player but Replacement Player</a:t>
+            </a:r>
+          </a:p>
+          <a:p>
+            <a:pPr marL="800100" lvl="1" indent="-342900">
+              <a:buFont typeface="Arial" panose="020B0604020202020204" pitchFamily="34" charset="0"/>
+              <a:buChar char="•"/>
+            </a:pPr>
+            <a:r>
+              <a:rPr lang="en-US" sz="2000" dirty="0">
+                <a:solidFill>
+                  <a:schemeClr val="bg1"/>
+                </a:solidFill>
+                <a:latin typeface="Selawik Semibold" panose="020B0702040204020203" pitchFamily="34" charset="0"/>
+              </a:rPr>
+              <a:t>Interpretation: “If a player got injured and their team had to replace them, how many </a:t>
+            </a:r>
+            <a:r>
+              <a:rPr lang="en-US" sz="2000" u="sng" dirty="0">
+                <a:solidFill>
+                  <a:schemeClr val="bg1"/>
+                </a:solidFill>
+                <a:latin typeface="Selawik Semibold" panose="020B0702040204020203" pitchFamily="34" charset="0"/>
+              </a:rPr>
+              <a:t>wins</a:t>
+            </a:r>
+            <a:r>
+              <a:rPr lang="en-US" sz="2000" dirty="0">
+                <a:solidFill>
+                  <a:schemeClr val="bg1"/>
+                </a:solidFill>
+                <a:latin typeface="Selawik Semibold" panose="020B0702040204020203" pitchFamily="34" charset="0"/>
+              </a:rPr>
+              <a:t> would the team be losing?</a:t>
+            </a:r>
+          </a:p>
+          <a:p>
+            <a:pPr marL="800100" lvl="1" indent="-342900">
+              <a:buFont typeface="Arial" panose="020B0604020202020204" pitchFamily="34" charset="0"/>
+              <a:buChar char="•"/>
+            </a:pPr>
+            <a:endParaRPr lang="en-US" sz="2000" dirty="0">
+              <a:solidFill>
+                <a:schemeClr val="bg1"/>
+              </a:solidFill>
               <a:latin typeface="Selawik Semibold" panose="020B0702040204020203" pitchFamily="34" charset="0"/>
             </a:endParaRPr>
           </a:p>
           <a:p>
-            <a:pPr lvl="2" algn="r"/>
-            <a:endParaRPr lang="en-US" sz="2800" dirty="0">
-              <a:latin typeface="Selawik Semibold" panose="020B0702040204020203" pitchFamily="34" charset="0"/>
-            </a:endParaRPr>
-          </a:p>
-          <a:p>
-            <a:pPr lvl="2" algn="r"/>
-            <a:endParaRPr lang="en-US" sz="2800" dirty="0">
-              <a:latin typeface="Selawik Semibold" panose="020B0702040204020203" pitchFamily="34" charset="0"/>
-            </a:endParaRPr>
+            <a:pPr marL="342900" indent="-342900">
+              <a:buFont typeface="Arial" panose="020B0604020202020204" pitchFamily="34" charset="0"/>
+              <a:buChar char="•"/>
+            </a:pPr>
+            <a:r>
+              <a:rPr lang="en-US" sz="2000" dirty="0">
+                <a:solidFill>
+                  <a:schemeClr val="bg1"/>
+                </a:solidFill>
+                <a:latin typeface="Selawik Semibold" panose="020B0702040204020203" pitchFamily="34" charset="0"/>
+              </a:rPr>
+              <a:t>Three Main Sources of WAR</a:t>
+            </a:r>
+          </a:p>
+          <a:p>
+            <a:pPr marL="800100" lvl="1" indent="-342900">
+              <a:buFont typeface="Arial" panose="020B0604020202020204" pitchFamily="34" charset="0"/>
+              <a:buChar char="•"/>
+            </a:pPr>
+            <a:r>
+              <a:rPr lang="en-US" sz="2000" dirty="0">
+                <a:solidFill>
+                  <a:schemeClr val="bg1"/>
+                </a:solidFill>
+                <a:latin typeface="Selawik Semibold" panose="020B0702040204020203" pitchFamily="34" charset="0"/>
+              </a:rPr>
+              <a:t>Baseball-Reference (</a:t>
+            </a:r>
+            <a:r>
+              <a:rPr lang="en-US" sz="2000" dirty="0" err="1">
+                <a:solidFill>
+                  <a:schemeClr val="bg1"/>
+                </a:solidFill>
+                <a:latin typeface="Selawik Semibold" panose="020B0702040204020203" pitchFamily="34" charset="0"/>
+              </a:rPr>
+              <a:t>bWAR</a:t>
+            </a:r>
+            <a:r>
+              <a:rPr lang="en-US" sz="2000" dirty="0">
+                <a:solidFill>
+                  <a:schemeClr val="bg1"/>
+                </a:solidFill>
+                <a:latin typeface="Selawik Semibold" panose="020B0702040204020203" pitchFamily="34" charset="0"/>
+              </a:rPr>
+              <a:t>)</a:t>
+            </a:r>
+          </a:p>
+          <a:p>
+            <a:pPr marL="800100" lvl="1" indent="-342900">
+              <a:buFont typeface="Arial" panose="020B0604020202020204" pitchFamily="34" charset="0"/>
+              <a:buChar char="•"/>
+            </a:pPr>
+            <a:r>
+              <a:rPr lang="en-US" sz="2000" dirty="0">
+                <a:solidFill>
+                  <a:schemeClr val="bg1"/>
+                </a:solidFill>
+                <a:latin typeface="Selawik Semibold" panose="020B0702040204020203" pitchFamily="34" charset="0"/>
+              </a:rPr>
+              <a:t>FanGraphs (</a:t>
+            </a:r>
+            <a:r>
+              <a:rPr lang="en-US" sz="2000" dirty="0" err="1">
+                <a:solidFill>
+                  <a:schemeClr val="bg1"/>
+                </a:solidFill>
+                <a:latin typeface="Selawik Semibold" panose="020B0702040204020203" pitchFamily="34" charset="0"/>
+              </a:rPr>
+              <a:t>fWAR</a:t>
+            </a:r>
+            <a:r>
+              <a:rPr lang="en-US" sz="2000" dirty="0">
+                <a:solidFill>
+                  <a:schemeClr val="bg1"/>
+                </a:solidFill>
+                <a:latin typeface="Selawik Semibold" panose="020B0702040204020203" pitchFamily="34" charset="0"/>
+              </a:rPr>
+              <a:t>)</a:t>
+            </a:r>
+          </a:p>
+          <a:p>
+            <a:pPr marL="800100" lvl="1" indent="-342900">
+              <a:buFont typeface="Arial" panose="020B0604020202020204" pitchFamily="34" charset="0"/>
+              <a:buChar char="•"/>
+            </a:pPr>
+            <a:r>
+              <a:rPr lang="en-US" sz="2000" dirty="0">
+                <a:solidFill>
+                  <a:schemeClr val="bg1"/>
+                </a:solidFill>
+                <a:latin typeface="Selawik Semibold" panose="020B0702040204020203" pitchFamily="34" charset="0"/>
+              </a:rPr>
+              <a:t>Baseball Prospectus (WARP)</a:t>
+            </a:r>
           </a:p>
         </p:txBody>
       </p:sp>
     </p:spTree>
     <p:extLst>
       <p:ext uri="{BB962C8B-B14F-4D97-AF65-F5344CB8AC3E}">
-        <p14:creationId xmlns:p14="http://schemas.microsoft.com/office/powerpoint/2010/main" val="1593475065"/>
+        <p14:creationId xmlns:p14="http://schemas.microsoft.com/office/powerpoint/2010/main" val="1358373830"/>
       </p:ext>
     </p:extLst>
   </p:cSld>
   <p:clrMapOvr>
-    <a:overrideClrMapping bg1="dk1" tx1="lt1" bg2="dk2" tx2="lt2" accent1="accent1" accent2="accent2" accent3="accent3" accent4="accent4" accent5="accent5" accent6="accent6" hlink="hlink" folHlink="folHlink"/>
+    <a:masterClrMapping/>
+  </p:clrMapOvr>
+</p:sld>
+</file>
+
+<file path=ppt/slides/slide17.xml><?xml version="1.0" encoding="utf-8"?>
+<p:sld xmlns:a="http://schemas.openxmlformats.org/drawingml/2006/main" xmlns:r="http://schemas.openxmlformats.org/officeDocument/2006/relationships" xmlns:p="http://schemas.openxmlformats.org/presentationml/2006/main">
+  <p:cSld>
+    <p:spTree>
+      <p:nvGrpSpPr>
+        <p:cNvPr id="1" name=""/>
+        <p:cNvGrpSpPr/>
+        <p:nvPr/>
+      </p:nvGrpSpPr>
+      <p:grpSpPr>
+        <a:xfrm>
+          <a:off x="0" y="0"/>
+          <a:ext cx="0" cy="0"/>
+          <a:chOff x="0" y="0"/>
+          <a:chExt cx="0" cy="0"/>
+        </a:xfrm>
+      </p:grpSpPr>
+      <p:sp>
+        <p:nvSpPr>
+          <p:cNvPr id="17" name="Rectangle 16">
+            <a:extLst>
+              <a:ext uri="{FF2B5EF4-FFF2-40B4-BE49-F238E27FC236}">
+                <a16:creationId xmlns:a16="http://schemas.microsoft.com/office/drawing/2014/main" id="{0A8FE870-A334-4DE1-84A7-AB191ED10D63}"/>
+              </a:ext>
+            </a:extLst>
+          </p:cNvPr>
+          <p:cNvSpPr/>
+          <p:nvPr/>
+        </p:nvSpPr>
+        <p:spPr>
+          <a:xfrm>
+            <a:off x="-2" y="-52157"/>
+            <a:ext cx="12192000" cy="6910157"/>
+          </a:xfrm>
+          <a:prstGeom prst="rect">
+            <a:avLst/>
+          </a:prstGeom>
+          <a:solidFill>
+            <a:srgbClr val="395583"/>
+          </a:solidFill>
+        </p:spPr>
+        <p:style>
+          <a:lnRef idx="2">
+            <a:schemeClr val="accent1">
+              <a:shade val="50000"/>
+            </a:schemeClr>
+          </a:lnRef>
+          <a:fillRef idx="1">
+            <a:schemeClr val="accent1"/>
+          </a:fillRef>
+          <a:effectRef idx="0">
+            <a:schemeClr val="accent1"/>
+          </a:effectRef>
+          <a:fontRef idx="minor">
+            <a:schemeClr val="lt1"/>
+          </a:fontRef>
+        </p:style>
+        <p:txBody>
+          <a:bodyPr rtlCol="0" anchor="ctr"/>
+          <a:lstStyle/>
+          <a:p>
+            <a:pPr algn="ctr"/>
+            <a:endParaRPr lang="en-US"/>
+          </a:p>
+        </p:txBody>
+      </p:sp>
+      <p:pic>
+        <p:nvPicPr>
+          <p:cNvPr id="8" name="Picture 7" descr="A close up of a toy&#10;&#10;Description automatically generated">
+            <a:extLst>
+              <a:ext uri="{FF2B5EF4-FFF2-40B4-BE49-F238E27FC236}">
+                <a16:creationId xmlns:a16="http://schemas.microsoft.com/office/drawing/2014/main" id="{131D5527-B848-4F84-9601-62DB93565332}"/>
+              </a:ext>
+            </a:extLst>
+          </p:cNvPr>
+          <p:cNvPicPr>
+            <a:picLocks noChangeAspect="1"/>
+          </p:cNvPicPr>
+          <p:nvPr/>
+        </p:nvPicPr>
+        <p:blipFill rotWithShape="1">
+          <a:blip r:embed="rId2">
+            <a:extLst>
+              <a:ext uri="{28A0092B-C50C-407E-A947-70E740481C1C}">
+                <a14:useLocalDpi xmlns:a14="http://schemas.microsoft.com/office/drawing/2010/main" val="0"/>
+              </a:ext>
+            </a:extLst>
+          </a:blip>
+          <a:srcRect l="6238" r="10796"/>
+          <a:stretch/>
+        </p:blipFill>
+        <p:spPr>
+          <a:xfrm>
+            <a:off x="0" y="-52157"/>
+            <a:ext cx="2684015" cy="3969421"/>
+          </a:xfrm>
+          <a:prstGeom prst="rect">
+            <a:avLst/>
+          </a:prstGeom>
+        </p:spPr>
+      </p:pic>
+      <p:sp>
+        <p:nvSpPr>
+          <p:cNvPr id="33" name="Rectangle 32">
+            <a:extLst>
+              <a:ext uri="{FF2B5EF4-FFF2-40B4-BE49-F238E27FC236}">
+                <a16:creationId xmlns:a16="http://schemas.microsoft.com/office/drawing/2014/main" id="{6F93929A-DE1C-47C4-AF97-F99DB104E96F}"/>
+              </a:ext>
+            </a:extLst>
+          </p:cNvPr>
+          <p:cNvSpPr/>
+          <p:nvPr/>
+        </p:nvSpPr>
+        <p:spPr>
+          <a:xfrm rot="16200000">
+            <a:off x="782431" y="1849427"/>
+            <a:ext cx="3969421" cy="166254"/>
+          </a:xfrm>
+          <a:prstGeom prst="rect">
+            <a:avLst/>
+          </a:prstGeom>
+          <a:solidFill>
+            <a:schemeClr val="tx1"/>
+          </a:solidFill>
+          <a:ln>
+            <a:noFill/>
+          </a:ln>
+        </p:spPr>
+        <p:style>
+          <a:lnRef idx="2">
+            <a:schemeClr val="accent1">
+              <a:shade val="50000"/>
+            </a:schemeClr>
+          </a:lnRef>
+          <a:fillRef idx="1">
+            <a:schemeClr val="accent1"/>
+          </a:fillRef>
+          <a:effectRef idx="0">
+            <a:schemeClr val="accent1"/>
+          </a:effectRef>
+          <a:fontRef idx="minor">
+            <a:schemeClr val="lt1"/>
+          </a:fontRef>
+        </p:style>
+        <p:txBody>
+          <a:bodyPr rtlCol="0" anchor="ctr"/>
+          <a:lstStyle/>
+          <a:p>
+            <a:pPr algn="ctr"/>
+            <a:endParaRPr lang="en-US" dirty="0">
+              <a:solidFill>
+                <a:srgbClr val="DB5B5C"/>
+              </a:solidFill>
+            </a:endParaRPr>
+          </a:p>
+        </p:txBody>
+      </p:sp>
+      <p:sp>
+        <p:nvSpPr>
+          <p:cNvPr id="35" name="Rectangle 34">
+            <a:extLst>
+              <a:ext uri="{FF2B5EF4-FFF2-40B4-BE49-F238E27FC236}">
+                <a16:creationId xmlns:a16="http://schemas.microsoft.com/office/drawing/2014/main" id="{259A39E4-556F-4581-82A2-C6B68A8147A4}"/>
+              </a:ext>
+            </a:extLst>
+          </p:cNvPr>
+          <p:cNvSpPr/>
+          <p:nvPr/>
+        </p:nvSpPr>
+        <p:spPr>
+          <a:xfrm rot="10800000">
+            <a:off x="-2" y="3756674"/>
+            <a:ext cx="2850269" cy="3101326"/>
+          </a:xfrm>
+          <a:prstGeom prst="rect">
+            <a:avLst/>
+          </a:prstGeom>
+          <a:solidFill>
+            <a:schemeClr val="tx1"/>
+          </a:solidFill>
+          <a:ln>
+            <a:noFill/>
+          </a:ln>
+        </p:spPr>
+        <p:style>
+          <a:lnRef idx="2">
+            <a:schemeClr val="accent1">
+              <a:shade val="50000"/>
+            </a:schemeClr>
+          </a:lnRef>
+          <a:fillRef idx="1">
+            <a:schemeClr val="accent1"/>
+          </a:fillRef>
+          <a:effectRef idx="0">
+            <a:schemeClr val="accent1"/>
+          </a:effectRef>
+          <a:fontRef idx="minor">
+            <a:schemeClr val="lt1"/>
+          </a:fontRef>
+        </p:style>
+        <p:txBody>
+          <a:bodyPr rtlCol="0" anchor="ctr"/>
+          <a:lstStyle/>
+          <a:p>
+            <a:pPr algn="ctr"/>
+            <a:endParaRPr lang="en-US" dirty="0">
+              <a:solidFill>
+                <a:srgbClr val="DB5B5C"/>
+              </a:solidFill>
+            </a:endParaRPr>
+          </a:p>
+        </p:txBody>
+      </p:sp>
+      <p:sp>
+        <p:nvSpPr>
+          <p:cNvPr id="23" name="Subtitle 22">
+            <a:extLst>
+              <a:ext uri="{FF2B5EF4-FFF2-40B4-BE49-F238E27FC236}">
+                <a16:creationId xmlns:a16="http://schemas.microsoft.com/office/drawing/2014/main" id="{1E5D6413-9C6F-483D-BE52-F3BBB1E74630}"/>
+              </a:ext>
+            </a:extLst>
+          </p:cNvPr>
+          <p:cNvSpPr>
+            <a:spLocks noGrp="1"/>
+          </p:cNvSpPr>
+          <p:nvPr>
+            <p:ph type="subTitle" idx="1"/>
+          </p:nvPr>
+        </p:nvSpPr>
+        <p:spPr>
+          <a:xfrm>
+            <a:off x="3007491" y="137620"/>
+            <a:ext cx="9341732" cy="1684867"/>
+          </a:xfrm>
+        </p:spPr>
+        <p:txBody>
+          <a:bodyPr>
+            <a:normAutofit/>
+          </a:bodyPr>
+          <a:lstStyle/>
+          <a:p>
+            <a:pPr algn="l"/>
+            <a:r>
+              <a:rPr lang="en-US" sz="4400" dirty="0">
+                <a:solidFill>
+                  <a:schemeClr val="bg1"/>
+                </a:solidFill>
+                <a:latin typeface="Selawik Semibold" panose="020B0702040204020203" pitchFamily="34" charset="0"/>
+              </a:rPr>
+              <a:t>Wins Above Replacement</a:t>
+            </a:r>
+          </a:p>
+        </p:txBody>
+      </p:sp>
+      <p:pic>
+        <p:nvPicPr>
+          <p:cNvPr id="16" name="Picture 15" descr="A close up of a toy&#10;&#10;Description automatically generated">
+            <a:extLst>
+              <a:ext uri="{FF2B5EF4-FFF2-40B4-BE49-F238E27FC236}">
+                <a16:creationId xmlns:a16="http://schemas.microsoft.com/office/drawing/2014/main" id="{94C75949-F15C-4E05-810D-EF40FCE89107}"/>
+              </a:ext>
+            </a:extLst>
+          </p:cNvPr>
+          <p:cNvPicPr>
+            <a:picLocks noChangeAspect="1"/>
+          </p:cNvPicPr>
+          <p:nvPr/>
+        </p:nvPicPr>
+        <p:blipFill>
+          <a:blip r:embed="rId3">
+            <a:extLst>
+              <a:ext uri="{28A0092B-C50C-407E-A947-70E740481C1C}">
+                <a14:useLocalDpi xmlns:a14="http://schemas.microsoft.com/office/drawing/2010/main" val="0"/>
+              </a:ext>
+            </a:extLst>
+          </a:blip>
+          <a:stretch>
+            <a:fillRect/>
+          </a:stretch>
+        </p:blipFill>
+        <p:spPr>
+          <a:xfrm>
+            <a:off x="417789" y="4380288"/>
+            <a:ext cx="2014687" cy="2014687"/>
+          </a:xfrm>
+          <a:prstGeom prst="ellipse">
+            <a:avLst/>
+          </a:prstGeom>
+          <a:ln w="63500" cap="rnd">
+            <a:solidFill>
+              <a:srgbClr val="333333"/>
+            </a:solidFill>
+          </a:ln>
+          <a:effectLst>
+            <a:outerShdw blurRad="381000" dist="292100" dir="5400000" sx="-80000" sy="-18000" rotWithShape="0">
+              <a:srgbClr val="000000">
+                <a:alpha val="22000"/>
+              </a:srgbClr>
+            </a:outerShdw>
+          </a:effectLst>
+          <a:scene3d>
+            <a:camera prst="orthographicFront"/>
+            <a:lightRig rig="contrasting" dir="t">
+              <a:rot lat="0" lon="0" rev="3000000"/>
+            </a:lightRig>
+          </a:scene3d>
+          <a:sp3d contourW="7620">
+            <a:bevelT w="95250" h="31750"/>
+            <a:contourClr>
+              <a:srgbClr val="333333"/>
+            </a:contourClr>
+          </a:sp3d>
+        </p:spPr>
+      </p:pic>
+      <p:sp>
+        <p:nvSpPr>
+          <p:cNvPr id="38" name="Rectangle 37">
+            <a:extLst>
+              <a:ext uri="{FF2B5EF4-FFF2-40B4-BE49-F238E27FC236}">
+                <a16:creationId xmlns:a16="http://schemas.microsoft.com/office/drawing/2014/main" id="{28B1909D-4141-4FB1-8633-83F335349C97}"/>
+              </a:ext>
+            </a:extLst>
+          </p:cNvPr>
+          <p:cNvSpPr/>
+          <p:nvPr/>
+        </p:nvSpPr>
+        <p:spPr>
+          <a:xfrm rot="10800000">
+            <a:off x="3007493" y="844062"/>
+            <a:ext cx="9027282" cy="137067"/>
+          </a:xfrm>
+          <a:prstGeom prst="rect">
+            <a:avLst/>
+          </a:prstGeom>
+          <a:solidFill>
+            <a:schemeClr val="tx1"/>
+          </a:solidFill>
+          <a:ln>
+            <a:noFill/>
+          </a:ln>
+        </p:spPr>
+        <p:style>
+          <a:lnRef idx="2">
+            <a:schemeClr val="accent1">
+              <a:shade val="50000"/>
+            </a:schemeClr>
+          </a:lnRef>
+          <a:fillRef idx="1">
+            <a:schemeClr val="accent1"/>
+          </a:fillRef>
+          <a:effectRef idx="0">
+            <a:schemeClr val="accent1"/>
+          </a:effectRef>
+          <a:fontRef idx="minor">
+            <a:schemeClr val="lt1"/>
+          </a:fontRef>
+        </p:style>
+        <p:txBody>
+          <a:bodyPr rtlCol="0" anchor="ctr"/>
+          <a:lstStyle/>
+          <a:p>
+            <a:pPr algn="ctr"/>
+            <a:endParaRPr lang="en-US" dirty="0">
+              <a:solidFill>
+                <a:srgbClr val="DB5B5C"/>
+              </a:solidFill>
+            </a:endParaRPr>
+          </a:p>
+        </p:txBody>
+      </p:sp>
+      <p:sp>
+        <p:nvSpPr>
+          <p:cNvPr id="10" name="TextBox 9">
+            <a:extLst>
+              <a:ext uri="{FF2B5EF4-FFF2-40B4-BE49-F238E27FC236}">
+                <a16:creationId xmlns:a16="http://schemas.microsoft.com/office/drawing/2014/main" id="{8A07C2CC-416F-4D29-84CF-D1F8B766EE5F}"/>
+              </a:ext>
+            </a:extLst>
+          </p:cNvPr>
+          <p:cNvSpPr txBox="1"/>
+          <p:nvPr/>
+        </p:nvSpPr>
+        <p:spPr>
+          <a:xfrm>
+            <a:off x="3080080" y="1520792"/>
+            <a:ext cx="8532800" cy="2369880"/>
+          </a:xfrm>
+          <a:prstGeom prst="rect">
+            <a:avLst/>
+          </a:prstGeom>
+          <a:noFill/>
+        </p:spPr>
+        <p:txBody>
+          <a:bodyPr wrap="square" rtlCol="0">
+            <a:spAutoFit/>
+          </a:bodyPr>
+          <a:lstStyle/>
+          <a:p>
+            <a:pPr marL="342900" indent="-342900">
+              <a:buFont typeface="Arial" panose="020B0604020202020204" pitchFamily="34" charset="0"/>
+              <a:buChar char="•"/>
+            </a:pPr>
+            <a:r>
+              <a:rPr lang="en-US" sz="2400" dirty="0">
+                <a:solidFill>
+                  <a:schemeClr val="bg1"/>
+                </a:solidFill>
+                <a:latin typeface="Selawik Semibold" panose="020B0702040204020203" pitchFamily="34" charset="0"/>
+              </a:rPr>
+              <a:t>Formula Differs for Position Players and Pitchers</a:t>
+            </a:r>
+          </a:p>
+          <a:p>
+            <a:pPr marL="800100" lvl="1" indent="-342900">
+              <a:buFont typeface="Arial" panose="020B0604020202020204" pitchFamily="34" charset="0"/>
+              <a:buChar char="•"/>
+            </a:pPr>
+            <a:r>
+              <a:rPr lang="en-US" sz="2000" dirty="0">
+                <a:solidFill>
+                  <a:schemeClr val="bg1"/>
+                </a:solidFill>
+                <a:latin typeface="Selawik Semibold" panose="020B0702040204020203" pitchFamily="34" charset="0"/>
+              </a:rPr>
+              <a:t>Position Players: Batting, Baserunning, and Fielding Measured in Runs Above Average (RAA)</a:t>
+            </a:r>
+          </a:p>
+          <a:p>
+            <a:pPr marL="800100" lvl="1" indent="-342900">
+              <a:buFont typeface="Arial" panose="020B0604020202020204" pitchFamily="34" charset="0"/>
+              <a:buChar char="•"/>
+            </a:pPr>
+            <a:r>
+              <a:rPr lang="en-US" sz="2000" dirty="0">
+                <a:solidFill>
+                  <a:schemeClr val="bg1"/>
+                </a:solidFill>
+                <a:latin typeface="Selawik Semibold" panose="020B0702040204020203" pitchFamily="34" charset="0"/>
+              </a:rPr>
+              <a:t>Pitchers: Either Based on Runs Allowed Per 9 Innings (RA9) or Fielding Independent Pitching (FIP)</a:t>
+            </a:r>
+          </a:p>
+          <a:p>
+            <a:pPr marL="800100" lvl="1" indent="-342900">
+              <a:buFont typeface="Arial" panose="020B0604020202020204" pitchFamily="34" charset="0"/>
+              <a:buChar char="•"/>
+            </a:pPr>
+            <a:endParaRPr lang="en-US" sz="2000" dirty="0">
+              <a:solidFill>
+                <a:schemeClr val="bg1"/>
+              </a:solidFill>
+              <a:latin typeface="Selawik Semibold" panose="020B0702040204020203" pitchFamily="34" charset="0"/>
+            </a:endParaRPr>
+          </a:p>
+          <a:p>
+            <a:pPr marL="342900" indent="-342900">
+              <a:buFont typeface="Arial" panose="020B0604020202020204" pitchFamily="34" charset="0"/>
+              <a:buChar char="•"/>
+            </a:pPr>
+            <a:r>
+              <a:rPr lang="en-US" sz="2400" dirty="0">
+                <a:solidFill>
+                  <a:schemeClr val="bg1"/>
+                </a:solidFill>
+                <a:latin typeface="Selawik Semibold" panose="020B0702040204020203" pitchFamily="34" charset="0"/>
+              </a:rPr>
+              <a:t>General Formula for Position Players (</a:t>
+            </a:r>
+            <a:r>
+              <a:rPr lang="en-US" sz="2400" dirty="0" err="1">
+                <a:solidFill>
+                  <a:schemeClr val="bg1"/>
+                </a:solidFill>
+                <a:latin typeface="Selawik Semibold" panose="020B0702040204020203" pitchFamily="34" charset="0"/>
+              </a:rPr>
+              <a:t>fWAR</a:t>
+            </a:r>
+            <a:r>
+              <a:rPr lang="en-US" sz="2400" dirty="0">
+                <a:solidFill>
+                  <a:schemeClr val="bg1"/>
+                </a:solidFill>
+                <a:latin typeface="Selawik Semibold" panose="020B0702040204020203" pitchFamily="34" charset="0"/>
+              </a:rPr>
+              <a:t>)</a:t>
+            </a:r>
+          </a:p>
+        </p:txBody>
+      </p:sp>
+      <p:pic>
+        <p:nvPicPr>
+          <p:cNvPr id="3" name="Picture 2">
+            <a:extLst>
+              <a:ext uri="{FF2B5EF4-FFF2-40B4-BE49-F238E27FC236}">
+                <a16:creationId xmlns:a16="http://schemas.microsoft.com/office/drawing/2014/main" id="{83BF563E-ADAA-4D54-8BE0-D91224E0FD68}"/>
+              </a:ext>
+            </a:extLst>
+          </p:cNvPr>
+          <p:cNvPicPr>
+            <a:picLocks noChangeAspect="1"/>
+          </p:cNvPicPr>
+          <p:nvPr/>
+        </p:nvPicPr>
+        <p:blipFill>
+          <a:blip r:embed="rId4"/>
+          <a:stretch>
+            <a:fillRect/>
+          </a:stretch>
+        </p:blipFill>
+        <p:spPr>
+          <a:xfrm>
+            <a:off x="3545609" y="4004278"/>
+            <a:ext cx="8489166" cy="852112"/>
+          </a:xfrm>
+          <a:prstGeom prst="rect">
+            <a:avLst/>
+          </a:prstGeom>
+          <a:ln w="38100">
+            <a:solidFill>
+              <a:schemeClr val="tx1"/>
+            </a:solidFill>
+          </a:ln>
+        </p:spPr>
+      </p:pic>
+    </p:spTree>
+    <p:extLst>
+      <p:ext uri="{BB962C8B-B14F-4D97-AF65-F5344CB8AC3E}">
+        <p14:creationId xmlns:p14="http://schemas.microsoft.com/office/powerpoint/2010/main" val="1278628988"/>
+      </p:ext>
+    </p:extLst>
+  </p:cSld>
+  <p:clrMapOvr>
+    <a:masterClrMapping/>
+  </p:clrMapOvr>
+</p:sld>
+</file>
+
+<file path=ppt/slides/slide18.xml><?xml version="1.0" encoding="utf-8"?>
+<p:sld xmlns:a="http://schemas.openxmlformats.org/drawingml/2006/main" xmlns:r="http://schemas.openxmlformats.org/officeDocument/2006/relationships" xmlns:p="http://schemas.openxmlformats.org/presentationml/2006/main">
+  <p:cSld>
+    <p:spTree>
+      <p:nvGrpSpPr>
+        <p:cNvPr id="1" name=""/>
+        <p:cNvGrpSpPr/>
+        <p:nvPr/>
+      </p:nvGrpSpPr>
+      <p:grpSpPr>
+        <a:xfrm>
+          <a:off x="0" y="0"/>
+          <a:ext cx="0" cy="0"/>
+          <a:chOff x="0" y="0"/>
+          <a:chExt cx="0" cy="0"/>
+        </a:xfrm>
+      </p:grpSpPr>
+      <p:sp>
+        <p:nvSpPr>
+          <p:cNvPr id="17" name="Rectangle 16">
+            <a:extLst>
+              <a:ext uri="{FF2B5EF4-FFF2-40B4-BE49-F238E27FC236}">
+                <a16:creationId xmlns:a16="http://schemas.microsoft.com/office/drawing/2014/main" id="{0A8FE870-A334-4DE1-84A7-AB191ED10D63}"/>
+              </a:ext>
+            </a:extLst>
+          </p:cNvPr>
+          <p:cNvSpPr/>
+          <p:nvPr/>
+        </p:nvSpPr>
+        <p:spPr>
+          <a:xfrm>
+            <a:off x="-2" y="-52157"/>
+            <a:ext cx="12192000" cy="6910157"/>
+          </a:xfrm>
+          <a:prstGeom prst="rect">
+            <a:avLst/>
+          </a:prstGeom>
+          <a:solidFill>
+            <a:srgbClr val="395583"/>
+          </a:solidFill>
+        </p:spPr>
+        <p:style>
+          <a:lnRef idx="2">
+            <a:schemeClr val="accent1">
+              <a:shade val="50000"/>
+            </a:schemeClr>
+          </a:lnRef>
+          <a:fillRef idx="1">
+            <a:schemeClr val="accent1"/>
+          </a:fillRef>
+          <a:effectRef idx="0">
+            <a:schemeClr val="accent1"/>
+          </a:effectRef>
+          <a:fontRef idx="minor">
+            <a:schemeClr val="lt1"/>
+          </a:fontRef>
+        </p:style>
+        <p:txBody>
+          <a:bodyPr rtlCol="0" anchor="ctr"/>
+          <a:lstStyle/>
+          <a:p>
+            <a:pPr algn="ctr"/>
+            <a:endParaRPr lang="en-US"/>
+          </a:p>
+        </p:txBody>
+      </p:sp>
+      <p:pic>
+        <p:nvPicPr>
+          <p:cNvPr id="8" name="Picture 7" descr="A close up of a toy&#10;&#10;Description automatically generated">
+            <a:extLst>
+              <a:ext uri="{FF2B5EF4-FFF2-40B4-BE49-F238E27FC236}">
+                <a16:creationId xmlns:a16="http://schemas.microsoft.com/office/drawing/2014/main" id="{131D5527-B848-4F84-9601-62DB93565332}"/>
+              </a:ext>
+            </a:extLst>
+          </p:cNvPr>
+          <p:cNvPicPr>
+            <a:picLocks noChangeAspect="1"/>
+          </p:cNvPicPr>
+          <p:nvPr/>
+        </p:nvPicPr>
+        <p:blipFill rotWithShape="1">
+          <a:blip r:embed="rId2">
+            <a:extLst>
+              <a:ext uri="{28A0092B-C50C-407E-A947-70E740481C1C}">
+                <a14:useLocalDpi xmlns:a14="http://schemas.microsoft.com/office/drawing/2010/main" val="0"/>
+              </a:ext>
+            </a:extLst>
+          </a:blip>
+          <a:srcRect l="6238" r="10796"/>
+          <a:stretch/>
+        </p:blipFill>
+        <p:spPr>
+          <a:xfrm>
+            <a:off x="0" y="-52157"/>
+            <a:ext cx="2684015" cy="3969421"/>
+          </a:xfrm>
+          <a:prstGeom prst="rect">
+            <a:avLst/>
+          </a:prstGeom>
+        </p:spPr>
+      </p:pic>
+      <p:sp>
+        <p:nvSpPr>
+          <p:cNvPr id="33" name="Rectangle 32">
+            <a:extLst>
+              <a:ext uri="{FF2B5EF4-FFF2-40B4-BE49-F238E27FC236}">
+                <a16:creationId xmlns:a16="http://schemas.microsoft.com/office/drawing/2014/main" id="{6F93929A-DE1C-47C4-AF97-F99DB104E96F}"/>
+              </a:ext>
+            </a:extLst>
+          </p:cNvPr>
+          <p:cNvSpPr/>
+          <p:nvPr/>
+        </p:nvSpPr>
+        <p:spPr>
+          <a:xfrm rot="16200000">
+            <a:off x="782431" y="1849427"/>
+            <a:ext cx="3969421" cy="166254"/>
+          </a:xfrm>
+          <a:prstGeom prst="rect">
+            <a:avLst/>
+          </a:prstGeom>
+          <a:solidFill>
+            <a:schemeClr val="tx1"/>
+          </a:solidFill>
+          <a:ln>
+            <a:noFill/>
+          </a:ln>
+        </p:spPr>
+        <p:style>
+          <a:lnRef idx="2">
+            <a:schemeClr val="accent1">
+              <a:shade val="50000"/>
+            </a:schemeClr>
+          </a:lnRef>
+          <a:fillRef idx="1">
+            <a:schemeClr val="accent1"/>
+          </a:fillRef>
+          <a:effectRef idx="0">
+            <a:schemeClr val="accent1"/>
+          </a:effectRef>
+          <a:fontRef idx="minor">
+            <a:schemeClr val="lt1"/>
+          </a:fontRef>
+        </p:style>
+        <p:txBody>
+          <a:bodyPr rtlCol="0" anchor="ctr"/>
+          <a:lstStyle/>
+          <a:p>
+            <a:pPr algn="ctr"/>
+            <a:endParaRPr lang="en-US" dirty="0">
+              <a:solidFill>
+                <a:srgbClr val="DB5B5C"/>
+              </a:solidFill>
+            </a:endParaRPr>
+          </a:p>
+        </p:txBody>
+      </p:sp>
+      <p:sp>
+        <p:nvSpPr>
+          <p:cNvPr id="35" name="Rectangle 34">
+            <a:extLst>
+              <a:ext uri="{FF2B5EF4-FFF2-40B4-BE49-F238E27FC236}">
+                <a16:creationId xmlns:a16="http://schemas.microsoft.com/office/drawing/2014/main" id="{259A39E4-556F-4581-82A2-C6B68A8147A4}"/>
+              </a:ext>
+            </a:extLst>
+          </p:cNvPr>
+          <p:cNvSpPr/>
+          <p:nvPr/>
+        </p:nvSpPr>
+        <p:spPr>
+          <a:xfrm rot="10800000">
+            <a:off x="-2" y="3756674"/>
+            <a:ext cx="2850269" cy="3101326"/>
+          </a:xfrm>
+          <a:prstGeom prst="rect">
+            <a:avLst/>
+          </a:prstGeom>
+          <a:solidFill>
+            <a:schemeClr val="tx1"/>
+          </a:solidFill>
+          <a:ln>
+            <a:noFill/>
+          </a:ln>
+        </p:spPr>
+        <p:style>
+          <a:lnRef idx="2">
+            <a:schemeClr val="accent1">
+              <a:shade val="50000"/>
+            </a:schemeClr>
+          </a:lnRef>
+          <a:fillRef idx="1">
+            <a:schemeClr val="accent1"/>
+          </a:fillRef>
+          <a:effectRef idx="0">
+            <a:schemeClr val="accent1"/>
+          </a:effectRef>
+          <a:fontRef idx="minor">
+            <a:schemeClr val="lt1"/>
+          </a:fontRef>
+        </p:style>
+        <p:txBody>
+          <a:bodyPr rtlCol="0" anchor="ctr"/>
+          <a:lstStyle/>
+          <a:p>
+            <a:pPr algn="ctr"/>
+            <a:endParaRPr lang="en-US" dirty="0">
+              <a:solidFill>
+                <a:srgbClr val="DB5B5C"/>
+              </a:solidFill>
+            </a:endParaRPr>
+          </a:p>
+        </p:txBody>
+      </p:sp>
+      <p:sp>
+        <p:nvSpPr>
+          <p:cNvPr id="23" name="Subtitle 22">
+            <a:extLst>
+              <a:ext uri="{FF2B5EF4-FFF2-40B4-BE49-F238E27FC236}">
+                <a16:creationId xmlns:a16="http://schemas.microsoft.com/office/drawing/2014/main" id="{1E5D6413-9C6F-483D-BE52-F3BBB1E74630}"/>
+              </a:ext>
+            </a:extLst>
+          </p:cNvPr>
+          <p:cNvSpPr>
+            <a:spLocks noGrp="1"/>
+          </p:cNvSpPr>
+          <p:nvPr>
+            <p:ph type="subTitle" idx="1"/>
+          </p:nvPr>
+        </p:nvSpPr>
+        <p:spPr>
+          <a:xfrm>
+            <a:off x="3007491" y="137620"/>
+            <a:ext cx="9341732" cy="1684867"/>
+          </a:xfrm>
+        </p:spPr>
+        <p:txBody>
+          <a:bodyPr>
+            <a:normAutofit/>
+          </a:bodyPr>
+          <a:lstStyle/>
+          <a:p>
+            <a:pPr algn="l"/>
+            <a:r>
+              <a:rPr lang="en-US" sz="4400" dirty="0">
+                <a:solidFill>
+                  <a:schemeClr val="bg1"/>
+                </a:solidFill>
+                <a:latin typeface="Selawik Semibold" panose="020B0702040204020203" pitchFamily="34" charset="0"/>
+              </a:rPr>
+              <a:t>Wins Above Replacement</a:t>
+            </a:r>
+          </a:p>
+        </p:txBody>
+      </p:sp>
+      <p:pic>
+        <p:nvPicPr>
+          <p:cNvPr id="16" name="Picture 15" descr="A close up of a toy&#10;&#10;Description automatically generated">
+            <a:extLst>
+              <a:ext uri="{FF2B5EF4-FFF2-40B4-BE49-F238E27FC236}">
+                <a16:creationId xmlns:a16="http://schemas.microsoft.com/office/drawing/2014/main" id="{94C75949-F15C-4E05-810D-EF40FCE89107}"/>
+              </a:ext>
+            </a:extLst>
+          </p:cNvPr>
+          <p:cNvPicPr>
+            <a:picLocks noChangeAspect="1"/>
+          </p:cNvPicPr>
+          <p:nvPr/>
+        </p:nvPicPr>
+        <p:blipFill>
+          <a:blip r:embed="rId3">
+            <a:extLst>
+              <a:ext uri="{28A0092B-C50C-407E-A947-70E740481C1C}">
+                <a14:useLocalDpi xmlns:a14="http://schemas.microsoft.com/office/drawing/2010/main" val="0"/>
+              </a:ext>
+            </a:extLst>
+          </a:blip>
+          <a:stretch>
+            <a:fillRect/>
+          </a:stretch>
+        </p:blipFill>
+        <p:spPr>
+          <a:xfrm>
+            <a:off x="417789" y="4380288"/>
+            <a:ext cx="2014687" cy="2014687"/>
+          </a:xfrm>
+          <a:prstGeom prst="ellipse">
+            <a:avLst/>
+          </a:prstGeom>
+          <a:ln w="63500" cap="rnd">
+            <a:solidFill>
+              <a:srgbClr val="333333"/>
+            </a:solidFill>
+          </a:ln>
+          <a:effectLst>
+            <a:outerShdw blurRad="381000" dist="292100" dir="5400000" sx="-80000" sy="-18000" rotWithShape="0">
+              <a:srgbClr val="000000">
+                <a:alpha val="22000"/>
+              </a:srgbClr>
+            </a:outerShdw>
+          </a:effectLst>
+          <a:scene3d>
+            <a:camera prst="orthographicFront"/>
+            <a:lightRig rig="contrasting" dir="t">
+              <a:rot lat="0" lon="0" rev="3000000"/>
+            </a:lightRig>
+          </a:scene3d>
+          <a:sp3d contourW="7620">
+            <a:bevelT w="95250" h="31750"/>
+            <a:contourClr>
+              <a:srgbClr val="333333"/>
+            </a:contourClr>
+          </a:sp3d>
+        </p:spPr>
+      </p:pic>
+      <p:sp>
+        <p:nvSpPr>
+          <p:cNvPr id="38" name="Rectangle 37">
+            <a:extLst>
+              <a:ext uri="{FF2B5EF4-FFF2-40B4-BE49-F238E27FC236}">
+                <a16:creationId xmlns:a16="http://schemas.microsoft.com/office/drawing/2014/main" id="{28B1909D-4141-4FB1-8633-83F335349C97}"/>
+              </a:ext>
+            </a:extLst>
+          </p:cNvPr>
+          <p:cNvSpPr/>
+          <p:nvPr/>
+        </p:nvSpPr>
+        <p:spPr>
+          <a:xfrm rot="10800000">
+            <a:off x="3007493" y="844062"/>
+            <a:ext cx="9027282" cy="137067"/>
+          </a:xfrm>
+          <a:prstGeom prst="rect">
+            <a:avLst/>
+          </a:prstGeom>
+          <a:solidFill>
+            <a:schemeClr val="tx1"/>
+          </a:solidFill>
+          <a:ln>
+            <a:noFill/>
+          </a:ln>
+        </p:spPr>
+        <p:style>
+          <a:lnRef idx="2">
+            <a:schemeClr val="accent1">
+              <a:shade val="50000"/>
+            </a:schemeClr>
+          </a:lnRef>
+          <a:fillRef idx="1">
+            <a:schemeClr val="accent1"/>
+          </a:fillRef>
+          <a:effectRef idx="0">
+            <a:schemeClr val="accent1"/>
+          </a:effectRef>
+          <a:fontRef idx="minor">
+            <a:schemeClr val="lt1"/>
+          </a:fontRef>
+        </p:style>
+        <p:txBody>
+          <a:bodyPr rtlCol="0" anchor="ctr"/>
+          <a:lstStyle/>
+          <a:p>
+            <a:pPr algn="ctr"/>
+            <a:endParaRPr lang="en-US" dirty="0">
+              <a:solidFill>
+                <a:srgbClr val="DB5B5C"/>
+              </a:solidFill>
+            </a:endParaRPr>
+          </a:p>
+        </p:txBody>
+      </p:sp>
+      <p:sp>
+        <p:nvSpPr>
+          <p:cNvPr id="10" name="TextBox 9">
+            <a:extLst>
+              <a:ext uri="{FF2B5EF4-FFF2-40B4-BE49-F238E27FC236}">
+                <a16:creationId xmlns:a16="http://schemas.microsoft.com/office/drawing/2014/main" id="{8A07C2CC-416F-4D29-84CF-D1F8B766EE5F}"/>
+              </a:ext>
+            </a:extLst>
+          </p:cNvPr>
+          <p:cNvSpPr txBox="1"/>
+          <p:nvPr/>
+        </p:nvSpPr>
+        <p:spPr>
+          <a:xfrm>
+            <a:off x="3080080" y="1520792"/>
+            <a:ext cx="8532800" cy="461665"/>
+          </a:xfrm>
+          <a:prstGeom prst="rect">
+            <a:avLst/>
+          </a:prstGeom>
+          <a:noFill/>
+        </p:spPr>
+        <p:txBody>
+          <a:bodyPr wrap="square" rtlCol="0">
+            <a:spAutoFit/>
+          </a:bodyPr>
+          <a:lstStyle/>
+          <a:p>
+            <a:pPr marL="342900" indent="-342900">
+              <a:buFont typeface="Arial" panose="020B0604020202020204" pitchFamily="34" charset="0"/>
+              <a:buChar char="•"/>
+            </a:pPr>
+            <a:r>
+              <a:rPr lang="en-US" sz="2400" dirty="0">
+                <a:solidFill>
+                  <a:schemeClr val="bg1"/>
+                </a:solidFill>
+                <a:latin typeface="Selawik Semibold" panose="020B0702040204020203" pitchFamily="34" charset="0"/>
+              </a:rPr>
+              <a:t>Top Players for </a:t>
+            </a:r>
+            <a:r>
+              <a:rPr lang="en-US" sz="2400" dirty="0" err="1">
+                <a:solidFill>
+                  <a:schemeClr val="bg1"/>
+                </a:solidFill>
+                <a:latin typeface="Selawik Semibold" panose="020B0702040204020203" pitchFamily="34" charset="0"/>
+              </a:rPr>
+              <a:t>bWAR</a:t>
+            </a:r>
+            <a:r>
+              <a:rPr lang="en-US" sz="2400" dirty="0">
+                <a:solidFill>
+                  <a:schemeClr val="bg1"/>
+                </a:solidFill>
+                <a:latin typeface="Selawik Semibold" panose="020B0702040204020203" pitchFamily="34" charset="0"/>
+              </a:rPr>
+              <a:t> Based on Career</a:t>
+            </a:r>
+            <a:endParaRPr lang="en-US" sz="2000" dirty="0">
+              <a:solidFill>
+                <a:schemeClr val="bg1"/>
+              </a:solidFill>
+              <a:latin typeface="Selawik Semibold" panose="020B0702040204020203" pitchFamily="34" charset="0"/>
+            </a:endParaRPr>
+          </a:p>
+        </p:txBody>
+      </p:sp>
+      <p:pic>
+        <p:nvPicPr>
+          <p:cNvPr id="2" name="Picture 1">
+            <a:extLst>
+              <a:ext uri="{FF2B5EF4-FFF2-40B4-BE49-F238E27FC236}">
+                <a16:creationId xmlns:a16="http://schemas.microsoft.com/office/drawing/2014/main" id="{66DEB47C-14F0-43E0-9CFA-D70C79C1F06E}"/>
+              </a:ext>
+            </a:extLst>
+          </p:cNvPr>
+          <p:cNvPicPr>
+            <a:picLocks noChangeAspect="1"/>
+          </p:cNvPicPr>
+          <p:nvPr/>
+        </p:nvPicPr>
+        <p:blipFill>
+          <a:blip r:embed="rId4"/>
+          <a:stretch>
+            <a:fillRect/>
+          </a:stretch>
+        </p:blipFill>
+        <p:spPr>
+          <a:xfrm>
+            <a:off x="3584323" y="2069743"/>
+            <a:ext cx="6325962" cy="3993060"/>
+          </a:xfrm>
+          <a:prstGeom prst="rect">
+            <a:avLst/>
+          </a:prstGeom>
+          <a:ln w="38100">
+            <a:solidFill>
+              <a:schemeClr val="tx1"/>
+            </a:solidFill>
+          </a:ln>
+        </p:spPr>
+      </p:pic>
+    </p:spTree>
+    <p:extLst>
+      <p:ext uri="{BB962C8B-B14F-4D97-AF65-F5344CB8AC3E}">
+        <p14:creationId xmlns:p14="http://schemas.microsoft.com/office/powerpoint/2010/main" val="473596568"/>
+      </p:ext>
+    </p:extLst>
+  </p:cSld>
+  <p:clrMapOvr>
+    <a:masterClrMapping/>
+  </p:clrMapOvr>
+</p:sld>
+</file>
+
+<file path=ppt/slides/slide19.xml><?xml version="1.0" encoding="utf-8"?>
+<p:sld xmlns:a="http://schemas.openxmlformats.org/drawingml/2006/main" xmlns:r="http://schemas.openxmlformats.org/officeDocument/2006/relationships" xmlns:p="http://schemas.openxmlformats.org/presentationml/2006/main">
+  <p:cSld>
+    <p:spTree>
+      <p:nvGrpSpPr>
+        <p:cNvPr id="1" name=""/>
+        <p:cNvGrpSpPr/>
+        <p:nvPr/>
+      </p:nvGrpSpPr>
+      <p:grpSpPr>
+        <a:xfrm>
+          <a:off x="0" y="0"/>
+          <a:ext cx="0" cy="0"/>
+          <a:chOff x="0" y="0"/>
+          <a:chExt cx="0" cy="0"/>
+        </a:xfrm>
+      </p:grpSpPr>
+      <p:sp>
+        <p:nvSpPr>
+          <p:cNvPr id="17" name="Rectangle 16">
+            <a:extLst>
+              <a:ext uri="{FF2B5EF4-FFF2-40B4-BE49-F238E27FC236}">
+                <a16:creationId xmlns:a16="http://schemas.microsoft.com/office/drawing/2014/main" id="{0A8FE870-A334-4DE1-84A7-AB191ED10D63}"/>
+              </a:ext>
+            </a:extLst>
+          </p:cNvPr>
+          <p:cNvSpPr/>
+          <p:nvPr/>
+        </p:nvSpPr>
+        <p:spPr>
+          <a:xfrm>
+            <a:off x="-2" y="-52157"/>
+            <a:ext cx="12192000" cy="6910157"/>
+          </a:xfrm>
+          <a:prstGeom prst="rect">
+            <a:avLst/>
+          </a:prstGeom>
+          <a:solidFill>
+            <a:srgbClr val="395583"/>
+          </a:solidFill>
+        </p:spPr>
+        <p:style>
+          <a:lnRef idx="2">
+            <a:schemeClr val="accent1">
+              <a:shade val="50000"/>
+            </a:schemeClr>
+          </a:lnRef>
+          <a:fillRef idx="1">
+            <a:schemeClr val="accent1"/>
+          </a:fillRef>
+          <a:effectRef idx="0">
+            <a:schemeClr val="accent1"/>
+          </a:effectRef>
+          <a:fontRef idx="minor">
+            <a:schemeClr val="lt1"/>
+          </a:fontRef>
+        </p:style>
+        <p:txBody>
+          <a:bodyPr rtlCol="0" anchor="ctr"/>
+          <a:lstStyle/>
+          <a:p>
+            <a:pPr algn="ctr"/>
+            <a:endParaRPr lang="en-US"/>
+          </a:p>
+        </p:txBody>
+      </p:sp>
+      <p:pic>
+        <p:nvPicPr>
+          <p:cNvPr id="8" name="Picture 7" descr="A close up of a toy&#10;&#10;Description automatically generated">
+            <a:extLst>
+              <a:ext uri="{FF2B5EF4-FFF2-40B4-BE49-F238E27FC236}">
+                <a16:creationId xmlns:a16="http://schemas.microsoft.com/office/drawing/2014/main" id="{131D5527-B848-4F84-9601-62DB93565332}"/>
+              </a:ext>
+            </a:extLst>
+          </p:cNvPr>
+          <p:cNvPicPr>
+            <a:picLocks noChangeAspect="1"/>
+          </p:cNvPicPr>
+          <p:nvPr/>
+        </p:nvPicPr>
+        <p:blipFill rotWithShape="1">
+          <a:blip r:embed="rId2">
+            <a:extLst>
+              <a:ext uri="{28A0092B-C50C-407E-A947-70E740481C1C}">
+                <a14:useLocalDpi xmlns:a14="http://schemas.microsoft.com/office/drawing/2010/main" val="0"/>
+              </a:ext>
+            </a:extLst>
+          </a:blip>
+          <a:srcRect l="6238" r="10796"/>
+          <a:stretch/>
+        </p:blipFill>
+        <p:spPr>
+          <a:xfrm>
+            <a:off x="0" y="-52157"/>
+            <a:ext cx="2684015" cy="3969421"/>
+          </a:xfrm>
+          <a:prstGeom prst="rect">
+            <a:avLst/>
+          </a:prstGeom>
+        </p:spPr>
+      </p:pic>
+      <p:sp>
+        <p:nvSpPr>
+          <p:cNvPr id="33" name="Rectangle 32">
+            <a:extLst>
+              <a:ext uri="{FF2B5EF4-FFF2-40B4-BE49-F238E27FC236}">
+                <a16:creationId xmlns:a16="http://schemas.microsoft.com/office/drawing/2014/main" id="{6F93929A-DE1C-47C4-AF97-F99DB104E96F}"/>
+              </a:ext>
+            </a:extLst>
+          </p:cNvPr>
+          <p:cNvSpPr/>
+          <p:nvPr/>
+        </p:nvSpPr>
+        <p:spPr>
+          <a:xfrm rot="16200000">
+            <a:off x="782431" y="1849427"/>
+            <a:ext cx="3969421" cy="166254"/>
+          </a:xfrm>
+          <a:prstGeom prst="rect">
+            <a:avLst/>
+          </a:prstGeom>
+          <a:solidFill>
+            <a:schemeClr val="tx1"/>
+          </a:solidFill>
+          <a:ln>
+            <a:noFill/>
+          </a:ln>
+        </p:spPr>
+        <p:style>
+          <a:lnRef idx="2">
+            <a:schemeClr val="accent1">
+              <a:shade val="50000"/>
+            </a:schemeClr>
+          </a:lnRef>
+          <a:fillRef idx="1">
+            <a:schemeClr val="accent1"/>
+          </a:fillRef>
+          <a:effectRef idx="0">
+            <a:schemeClr val="accent1"/>
+          </a:effectRef>
+          <a:fontRef idx="minor">
+            <a:schemeClr val="lt1"/>
+          </a:fontRef>
+        </p:style>
+        <p:txBody>
+          <a:bodyPr rtlCol="0" anchor="ctr"/>
+          <a:lstStyle/>
+          <a:p>
+            <a:pPr algn="ctr"/>
+            <a:endParaRPr lang="en-US" dirty="0">
+              <a:solidFill>
+                <a:srgbClr val="DB5B5C"/>
+              </a:solidFill>
+            </a:endParaRPr>
+          </a:p>
+        </p:txBody>
+      </p:sp>
+      <p:sp>
+        <p:nvSpPr>
+          <p:cNvPr id="35" name="Rectangle 34">
+            <a:extLst>
+              <a:ext uri="{FF2B5EF4-FFF2-40B4-BE49-F238E27FC236}">
+                <a16:creationId xmlns:a16="http://schemas.microsoft.com/office/drawing/2014/main" id="{259A39E4-556F-4581-82A2-C6B68A8147A4}"/>
+              </a:ext>
+            </a:extLst>
+          </p:cNvPr>
+          <p:cNvSpPr/>
+          <p:nvPr/>
+        </p:nvSpPr>
+        <p:spPr>
+          <a:xfrm rot="10800000">
+            <a:off x="-2" y="3756674"/>
+            <a:ext cx="2850269" cy="3101326"/>
+          </a:xfrm>
+          <a:prstGeom prst="rect">
+            <a:avLst/>
+          </a:prstGeom>
+          <a:solidFill>
+            <a:schemeClr val="tx1"/>
+          </a:solidFill>
+          <a:ln>
+            <a:noFill/>
+          </a:ln>
+        </p:spPr>
+        <p:style>
+          <a:lnRef idx="2">
+            <a:schemeClr val="accent1">
+              <a:shade val="50000"/>
+            </a:schemeClr>
+          </a:lnRef>
+          <a:fillRef idx="1">
+            <a:schemeClr val="accent1"/>
+          </a:fillRef>
+          <a:effectRef idx="0">
+            <a:schemeClr val="accent1"/>
+          </a:effectRef>
+          <a:fontRef idx="minor">
+            <a:schemeClr val="lt1"/>
+          </a:fontRef>
+        </p:style>
+        <p:txBody>
+          <a:bodyPr rtlCol="0" anchor="ctr"/>
+          <a:lstStyle/>
+          <a:p>
+            <a:pPr algn="ctr"/>
+            <a:endParaRPr lang="en-US" dirty="0">
+              <a:solidFill>
+                <a:srgbClr val="DB5B5C"/>
+              </a:solidFill>
+            </a:endParaRPr>
+          </a:p>
+        </p:txBody>
+      </p:sp>
+      <p:sp>
+        <p:nvSpPr>
+          <p:cNvPr id="23" name="Subtitle 22">
+            <a:extLst>
+              <a:ext uri="{FF2B5EF4-FFF2-40B4-BE49-F238E27FC236}">
+                <a16:creationId xmlns:a16="http://schemas.microsoft.com/office/drawing/2014/main" id="{1E5D6413-9C6F-483D-BE52-F3BBB1E74630}"/>
+              </a:ext>
+            </a:extLst>
+          </p:cNvPr>
+          <p:cNvSpPr>
+            <a:spLocks noGrp="1"/>
+          </p:cNvSpPr>
+          <p:nvPr>
+            <p:ph type="subTitle" idx="1"/>
+          </p:nvPr>
+        </p:nvSpPr>
+        <p:spPr>
+          <a:xfrm>
+            <a:off x="3007491" y="137620"/>
+            <a:ext cx="9341732" cy="1684867"/>
+          </a:xfrm>
+        </p:spPr>
+        <p:txBody>
+          <a:bodyPr>
+            <a:normAutofit/>
+          </a:bodyPr>
+          <a:lstStyle/>
+          <a:p>
+            <a:pPr algn="l"/>
+            <a:r>
+              <a:rPr lang="en-US" sz="4400" dirty="0">
+                <a:solidFill>
+                  <a:schemeClr val="bg1"/>
+                </a:solidFill>
+                <a:latin typeface="Selawik Semibold" panose="020B0702040204020203" pitchFamily="34" charset="0"/>
+              </a:rPr>
+              <a:t>Wins Above Replacement</a:t>
+            </a:r>
+          </a:p>
+        </p:txBody>
+      </p:sp>
+      <p:pic>
+        <p:nvPicPr>
+          <p:cNvPr id="16" name="Picture 15" descr="A close up of a toy&#10;&#10;Description automatically generated">
+            <a:extLst>
+              <a:ext uri="{FF2B5EF4-FFF2-40B4-BE49-F238E27FC236}">
+                <a16:creationId xmlns:a16="http://schemas.microsoft.com/office/drawing/2014/main" id="{94C75949-F15C-4E05-810D-EF40FCE89107}"/>
+              </a:ext>
+            </a:extLst>
+          </p:cNvPr>
+          <p:cNvPicPr>
+            <a:picLocks noChangeAspect="1"/>
+          </p:cNvPicPr>
+          <p:nvPr/>
+        </p:nvPicPr>
+        <p:blipFill>
+          <a:blip r:embed="rId3">
+            <a:extLst>
+              <a:ext uri="{28A0092B-C50C-407E-A947-70E740481C1C}">
+                <a14:useLocalDpi xmlns:a14="http://schemas.microsoft.com/office/drawing/2010/main" val="0"/>
+              </a:ext>
+            </a:extLst>
+          </a:blip>
+          <a:stretch>
+            <a:fillRect/>
+          </a:stretch>
+        </p:blipFill>
+        <p:spPr>
+          <a:xfrm>
+            <a:off x="417789" y="4380288"/>
+            <a:ext cx="2014687" cy="2014687"/>
+          </a:xfrm>
+          <a:prstGeom prst="ellipse">
+            <a:avLst/>
+          </a:prstGeom>
+          <a:ln w="63500" cap="rnd">
+            <a:solidFill>
+              <a:srgbClr val="333333"/>
+            </a:solidFill>
+          </a:ln>
+          <a:effectLst>
+            <a:outerShdw blurRad="381000" dist="292100" dir="5400000" sx="-80000" sy="-18000" rotWithShape="0">
+              <a:srgbClr val="000000">
+                <a:alpha val="22000"/>
+              </a:srgbClr>
+            </a:outerShdw>
+          </a:effectLst>
+          <a:scene3d>
+            <a:camera prst="orthographicFront"/>
+            <a:lightRig rig="contrasting" dir="t">
+              <a:rot lat="0" lon="0" rev="3000000"/>
+            </a:lightRig>
+          </a:scene3d>
+          <a:sp3d contourW="7620">
+            <a:bevelT w="95250" h="31750"/>
+            <a:contourClr>
+              <a:srgbClr val="333333"/>
+            </a:contourClr>
+          </a:sp3d>
+        </p:spPr>
+      </p:pic>
+      <p:sp>
+        <p:nvSpPr>
+          <p:cNvPr id="38" name="Rectangle 37">
+            <a:extLst>
+              <a:ext uri="{FF2B5EF4-FFF2-40B4-BE49-F238E27FC236}">
+                <a16:creationId xmlns:a16="http://schemas.microsoft.com/office/drawing/2014/main" id="{28B1909D-4141-4FB1-8633-83F335349C97}"/>
+              </a:ext>
+            </a:extLst>
+          </p:cNvPr>
+          <p:cNvSpPr/>
+          <p:nvPr/>
+        </p:nvSpPr>
+        <p:spPr>
+          <a:xfrm rot="10800000">
+            <a:off x="3007493" y="844062"/>
+            <a:ext cx="9027282" cy="137067"/>
+          </a:xfrm>
+          <a:prstGeom prst="rect">
+            <a:avLst/>
+          </a:prstGeom>
+          <a:solidFill>
+            <a:schemeClr val="tx1"/>
+          </a:solidFill>
+          <a:ln>
+            <a:noFill/>
+          </a:ln>
+        </p:spPr>
+        <p:style>
+          <a:lnRef idx="2">
+            <a:schemeClr val="accent1">
+              <a:shade val="50000"/>
+            </a:schemeClr>
+          </a:lnRef>
+          <a:fillRef idx="1">
+            <a:schemeClr val="accent1"/>
+          </a:fillRef>
+          <a:effectRef idx="0">
+            <a:schemeClr val="accent1"/>
+          </a:effectRef>
+          <a:fontRef idx="minor">
+            <a:schemeClr val="lt1"/>
+          </a:fontRef>
+        </p:style>
+        <p:txBody>
+          <a:bodyPr rtlCol="0" anchor="ctr"/>
+          <a:lstStyle/>
+          <a:p>
+            <a:pPr algn="ctr"/>
+            <a:endParaRPr lang="en-US" dirty="0">
+              <a:solidFill>
+                <a:srgbClr val="DB5B5C"/>
+              </a:solidFill>
+            </a:endParaRPr>
+          </a:p>
+        </p:txBody>
+      </p:sp>
+      <p:sp>
+        <p:nvSpPr>
+          <p:cNvPr id="10" name="TextBox 9">
+            <a:extLst>
+              <a:ext uri="{FF2B5EF4-FFF2-40B4-BE49-F238E27FC236}">
+                <a16:creationId xmlns:a16="http://schemas.microsoft.com/office/drawing/2014/main" id="{8A07C2CC-416F-4D29-84CF-D1F8B766EE5F}"/>
+              </a:ext>
+            </a:extLst>
+          </p:cNvPr>
+          <p:cNvSpPr txBox="1"/>
+          <p:nvPr/>
+        </p:nvSpPr>
+        <p:spPr>
+          <a:xfrm>
+            <a:off x="3080080" y="1520792"/>
+            <a:ext cx="8532800" cy="461665"/>
+          </a:xfrm>
+          <a:prstGeom prst="rect">
+            <a:avLst/>
+          </a:prstGeom>
+          <a:noFill/>
+        </p:spPr>
+        <p:txBody>
+          <a:bodyPr wrap="square" rtlCol="0">
+            <a:spAutoFit/>
+          </a:bodyPr>
+          <a:lstStyle/>
+          <a:p>
+            <a:pPr marL="342900" indent="-342900">
+              <a:buFont typeface="Arial" panose="020B0604020202020204" pitchFamily="34" charset="0"/>
+              <a:buChar char="•"/>
+            </a:pPr>
+            <a:r>
+              <a:rPr lang="en-US" sz="2400" dirty="0">
+                <a:solidFill>
+                  <a:schemeClr val="bg1"/>
+                </a:solidFill>
+                <a:latin typeface="Selawik Semibold" panose="020B0702040204020203" pitchFamily="34" charset="0"/>
+              </a:rPr>
+              <a:t>Top Players for </a:t>
+            </a:r>
+            <a:r>
+              <a:rPr lang="en-US" sz="2400" dirty="0" err="1">
+                <a:solidFill>
+                  <a:schemeClr val="bg1"/>
+                </a:solidFill>
+                <a:latin typeface="Selawik Semibold" panose="020B0702040204020203" pitchFamily="34" charset="0"/>
+              </a:rPr>
+              <a:t>fWAR</a:t>
+            </a:r>
+            <a:r>
+              <a:rPr lang="en-US" sz="2400" dirty="0">
+                <a:solidFill>
+                  <a:schemeClr val="bg1"/>
+                </a:solidFill>
+                <a:latin typeface="Selawik Semibold" panose="020B0702040204020203" pitchFamily="34" charset="0"/>
+              </a:rPr>
+              <a:t> Based on 2019 Season</a:t>
+            </a:r>
+            <a:endParaRPr lang="en-US" sz="2000" dirty="0">
+              <a:solidFill>
+                <a:schemeClr val="bg1"/>
+              </a:solidFill>
+              <a:latin typeface="Selawik Semibold" panose="020B0702040204020203" pitchFamily="34" charset="0"/>
+            </a:endParaRPr>
+          </a:p>
+        </p:txBody>
+      </p:sp>
+      <p:pic>
+        <p:nvPicPr>
+          <p:cNvPr id="3" name="Picture 2">
+            <a:extLst>
+              <a:ext uri="{FF2B5EF4-FFF2-40B4-BE49-F238E27FC236}">
+                <a16:creationId xmlns:a16="http://schemas.microsoft.com/office/drawing/2014/main" id="{26ADD305-22BB-4382-844F-C42DD7345E2D}"/>
+              </a:ext>
+            </a:extLst>
+          </p:cNvPr>
+          <p:cNvPicPr>
+            <a:picLocks noChangeAspect="1"/>
+          </p:cNvPicPr>
+          <p:nvPr/>
+        </p:nvPicPr>
+        <p:blipFill>
+          <a:blip r:embed="rId4"/>
+          <a:stretch>
+            <a:fillRect/>
+          </a:stretch>
+        </p:blipFill>
+        <p:spPr>
+          <a:xfrm>
+            <a:off x="3558145" y="2093990"/>
+            <a:ext cx="8429955" cy="3437625"/>
+          </a:xfrm>
+          <a:prstGeom prst="rect">
+            <a:avLst/>
+          </a:prstGeom>
+          <a:ln w="38100">
+            <a:solidFill>
+              <a:schemeClr val="tx1"/>
+            </a:solidFill>
+          </a:ln>
+        </p:spPr>
+      </p:pic>
+    </p:spTree>
+    <p:extLst>
+      <p:ext uri="{BB962C8B-B14F-4D97-AF65-F5344CB8AC3E}">
+        <p14:creationId xmlns:p14="http://schemas.microsoft.com/office/powerpoint/2010/main" val="3371303366"/>
+      </p:ext>
+    </p:extLst>
+  </p:cSld>
+  <p:clrMapOvr>
+    <a:masterClrMapping/>
   </p:clrMapOvr>
 </p:sld>
 </file>
@@ -9926,8 +11527,8 @@
           </a:p>
         </p:txBody>
       </p:sp>
-      <mc:AlternateContent xmlns:mc="http://schemas.openxmlformats.org/markup-compatibility/2006">
-        <mc:Choice xmlns:a14="http://schemas.microsoft.com/office/drawing/2010/main" Requires="a14">
+      <mc:AlternateContent xmlns:mc="http://schemas.openxmlformats.org/markup-compatibility/2006" xmlns:a14="http://schemas.microsoft.com/office/drawing/2010/main">
+        <mc:Choice Requires="a14">
           <p:sp>
             <p:nvSpPr>
               <p:cNvPr id="11" name="TextBox 10">
@@ -9956,7 +11557,6 @@
               </a:bodyPr>
               <a:lstStyle/>
               <a:p>
-                <a:pPr/>
                 <a14:m>
                   <m:oMath xmlns:m="http://schemas.openxmlformats.org/officeDocument/2006/math">
                     <m:r>
@@ -10138,7 +11738,7 @@
             </p:txBody>
           </p:sp>
         </mc:Choice>
-        <mc:Fallback>
+        <mc:Fallback xmlns="">
           <p:sp>
             <p:nvSpPr>
               <p:cNvPr id="11" name="TextBox 10">
@@ -10183,8 +11783,8 @@
           </p:sp>
         </mc:Fallback>
       </mc:AlternateContent>
-      <mc:AlternateContent xmlns:mc="http://schemas.openxmlformats.org/markup-compatibility/2006">
-        <mc:Choice xmlns:a14="http://schemas.microsoft.com/office/drawing/2010/main" Requires="a14">
+      <mc:AlternateContent xmlns:mc="http://schemas.openxmlformats.org/markup-compatibility/2006" xmlns:a14="http://schemas.microsoft.com/office/drawing/2010/main">
+        <mc:Choice Requires="a14">
           <p:sp>
             <p:nvSpPr>
               <p:cNvPr id="12" name="TextBox 11">
@@ -10329,7 +11929,7 @@
             </p:txBody>
           </p:sp>
         </mc:Choice>
-        <mc:Fallback>
+        <mc:Fallback xmlns="">
           <p:sp>
             <p:nvSpPr>
               <p:cNvPr id="12" name="TextBox 11">
@@ -10387,6 +11987,438 @@
 </p:sld>
 </file>
 
+<file path=ppt/slides/slide20.xml><?xml version="1.0" encoding="utf-8"?>
+<p:sld xmlns:a="http://schemas.openxmlformats.org/drawingml/2006/main" xmlns:r="http://schemas.openxmlformats.org/officeDocument/2006/relationships" xmlns:p="http://schemas.openxmlformats.org/presentationml/2006/main">
+  <p:cSld>
+    <p:bg>
+      <p:bgPr>
+        <a:solidFill>
+          <a:srgbClr val="395583"/>
+        </a:solidFill>
+        <a:effectLst/>
+      </p:bgPr>
+    </p:bg>
+    <p:spTree>
+      <p:nvGrpSpPr>
+        <p:cNvPr id="1" name=""/>
+        <p:cNvGrpSpPr/>
+        <p:nvPr/>
+      </p:nvGrpSpPr>
+      <p:grpSpPr>
+        <a:xfrm>
+          <a:off x="0" y="0"/>
+          <a:ext cx="0" cy="0"/>
+          <a:chOff x="0" y="0"/>
+          <a:chExt cx="0" cy="0"/>
+        </a:xfrm>
+      </p:grpSpPr>
+      <p:pic>
+        <p:nvPicPr>
+          <p:cNvPr id="5" name="Picture 4" descr="A picture containing indoor&#10;&#10;Description automatically generated">
+            <a:extLst>
+              <a:ext uri="{FF2B5EF4-FFF2-40B4-BE49-F238E27FC236}">
+                <a16:creationId xmlns:a16="http://schemas.microsoft.com/office/drawing/2014/main" id="{48589EA3-03B9-4D42-8282-8AC52D63CBF3}"/>
+              </a:ext>
+            </a:extLst>
+          </p:cNvPr>
+          <p:cNvPicPr>
+            <a:picLocks noChangeAspect="1"/>
+          </p:cNvPicPr>
+          <p:nvPr/>
+        </p:nvPicPr>
+        <p:blipFill rotWithShape="1">
+          <a:blip r:embed="rId2">
+            <a:extLst>
+              <a:ext uri="{28A0092B-C50C-407E-A947-70E740481C1C}">
+                <a14:useLocalDpi xmlns:a14="http://schemas.microsoft.com/office/drawing/2010/main" val="0"/>
+              </a:ext>
+            </a:extLst>
+          </a:blip>
+          <a:srcRect l="19805" r="19804" b="-1"/>
+          <a:stretch/>
+        </p:blipFill>
+        <p:spPr>
+          <a:xfrm>
+            <a:off x="20" y="10"/>
+            <a:ext cx="6024134" cy="6857990"/>
+          </a:xfrm>
+          <a:custGeom>
+            <a:avLst/>
+            <a:gdLst>
+              <a:gd name="connsiteX0" fmla="*/ 0 w 6024154"/>
+              <a:gd name="connsiteY0" fmla="*/ 0 h 6858000"/>
+              <a:gd name="connsiteX1" fmla="*/ 5953780 w 6024154"/>
+              <a:gd name="connsiteY1" fmla="*/ 0 h 6858000"/>
+              <a:gd name="connsiteX2" fmla="*/ 5989880 w 6024154"/>
+              <a:gd name="connsiteY2" fmla="*/ 284091 h 6858000"/>
+              <a:gd name="connsiteX3" fmla="*/ 6024154 w 6024154"/>
+              <a:gd name="connsiteY3" fmla="*/ 962844 h 6858000"/>
+              <a:gd name="connsiteX4" fmla="*/ 2549934 w 6024154"/>
+              <a:gd name="connsiteY4" fmla="*/ 6800152 h 6858000"/>
+              <a:gd name="connsiteX5" fmla="*/ 2436987 w 6024154"/>
+              <a:gd name="connsiteY5" fmla="*/ 6858000 h 6858000"/>
+              <a:gd name="connsiteX6" fmla="*/ 0 w 6024154"/>
+              <a:gd name="connsiteY6" fmla="*/ 6858000 h 6858000"/>
+            </a:gdLst>
+            <a:ahLst/>
+            <a:cxnLst>
+              <a:cxn ang="0">
+                <a:pos x="connsiteX0" y="connsiteY0"/>
+              </a:cxn>
+              <a:cxn ang="0">
+                <a:pos x="connsiteX1" y="connsiteY1"/>
+              </a:cxn>
+              <a:cxn ang="0">
+                <a:pos x="connsiteX2" y="connsiteY2"/>
+              </a:cxn>
+              <a:cxn ang="0">
+                <a:pos x="connsiteX3" y="connsiteY3"/>
+              </a:cxn>
+              <a:cxn ang="0">
+                <a:pos x="connsiteX4" y="connsiteY4"/>
+              </a:cxn>
+              <a:cxn ang="0">
+                <a:pos x="connsiteX5" y="connsiteY5"/>
+              </a:cxn>
+              <a:cxn ang="0">
+                <a:pos x="connsiteX6" y="connsiteY6"/>
+              </a:cxn>
+            </a:cxnLst>
+            <a:rect l="l" t="t" r="r" b="b"/>
+            <a:pathLst>
+              <a:path w="6024154" h="6858000">
+                <a:moveTo>
+                  <a:pt x="0" y="0"/>
+                </a:moveTo>
+                <a:lnTo>
+                  <a:pt x="5953780" y="0"/>
+                </a:lnTo>
+                <a:lnTo>
+                  <a:pt x="5989880" y="284091"/>
+                </a:lnTo>
+                <a:cubicBezTo>
+                  <a:pt x="6012544" y="507260"/>
+                  <a:pt x="6024154" y="733696"/>
+                  <a:pt x="6024154" y="962844"/>
+                </a:cubicBezTo>
+                <a:cubicBezTo>
+                  <a:pt x="6024154" y="3483472"/>
+                  <a:pt x="4619336" y="5675986"/>
+                  <a:pt x="2549934" y="6800152"/>
+                </a:cubicBezTo>
+                <a:lnTo>
+                  <a:pt x="2436987" y="6858000"/>
+                </a:lnTo>
+                <a:lnTo>
+                  <a:pt x="0" y="6858000"/>
+                </a:lnTo>
+                <a:close/>
+              </a:path>
+            </a:pathLst>
+          </a:custGeom>
+          <a:ln w="28575">
+            <a:noFill/>
+          </a:ln>
+        </p:spPr>
+      </p:pic>
+      <p:sp>
+        <p:nvSpPr>
+          <p:cNvPr id="12" name="Title 1">
+            <a:extLst>
+              <a:ext uri="{FF2B5EF4-FFF2-40B4-BE49-F238E27FC236}">
+                <a16:creationId xmlns:a16="http://schemas.microsoft.com/office/drawing/2014/main" id="{0B9C460C-DD3D-4F1C-9FEE-8EC7228DF8C8}"/>
+              </a:ext>
+            </a:extLst>
+          </p:cNvPr>
+          <p:cNvSpPr>
+            <a:spLocks noGrp="1"/>
+          </p:cNvSpPr>
+          <p:nvPr>
+            <p:ph type="ctrTitle"/>
+          </p:nvPr>
+        </p:nvSpPr>
+        <p:spPr>
+          <a:xfrm>
+            <a:off x="4232779" y="359964"/>
+            <a:ext cx="7834193" cy="1264588"/>
+          </a:xfrm>
+        </p:spPr>
+        <p:txBody>
+          <a:bodyPr anchor="ctr">
+            <a:normAutofit/>
+          </a:bodyPr>
+          <a:lstStyle/>
+          <a:p>
+            <a:pPr algn="r"/>
+            <a:r>
+              <a:rPr lang="en-US" dirty="0">
+                <a:latin typeface="Selawik Semibold" panose="020B0702040204020203" pitchFamily="34" charset="0"/>
+              </a:rPr>
+              <a:t>Final Inspiration</a:t>
+            </a:r>
+          </a:p>
+        </p:txBody>
+      </p:sp>
+      <p:sp>
+        <p:nvSpPr>
+          <p:cNvPr id="16" name="Content Placeholder 8">
+            <a:extLst>
+              <a:ext uri="{FF2B5EF4-FFF2-40B4-BE49-F238E27FC236}">
+                <a16:creationId xmlns:a16="http://schemas.microsoft.com/office/drawing/2014/main" id="{EFC1D832-5298-413A-ACCB-93C0C72C636D}"/>
+              </a:ext>
+            </a:extLst>
+          </p:cNvPr>
+          <p:cNvSpPr txBox="1">
+            <a:spLocks/>
+          </p:cNvSpPr>
+          <p:nvPr/>
+        </p:nvSpPr>
+        <p:spPr>
+          <a:xfrm>
+            <a:off x="4780345" y="4357577"/>
+            <a:ext cx="7105564" cy="3247008"/>
+          </a:xfrm>
+          <a:prstGeom prst="rect">
+            <a:avLst/>
+          </a:prstGeom>
+        </p:spPr>
+        <p:txBody>
+          <a:bodyPr vert="horz" lIns="91440" tIns="45720" rIns="91440" bIns="45720" rtlCol="0">
+            <a:normAutofit/>
+          </a:bodyPr>
+          <a:lstStyle>
+            <a:lvl1pPr marL="0" indent="0" algn="ctr" defTabSz="914400" rtl="0" eaLnBrk="1" latinLnBrk="0" hangingPunct="1">
+              <a:lnSpc>
+                <a:spcPct val="90000"/>
+              </a:lnSpc>
+              <a:spcBef>
+                <a:spcPts val="1000"/>
+              </a:spcBef>
+              <a:buFont typeface="Arial" panose="020B0604020202020204" pitchFamily="34" charset="0"/>
+              <a:buNone/>
+              <a:defRPr sz="2400" kern="1200">
+                <a:solidFill>
+                  <a:schemeClr val="tx1"/>
+                </a:solidFill>
+                <a:latin typeface="+mn-lt"/>
+                <a:ea typeface="+mn-ea"/>
+                <a:cs typeface="+mn-cs"/>
+              </a:defRPr>
+            </a:lvl1pPr>
+            <a:lvl2pPr marL="457200" indent="0" algn="ctr" defTabSz="914400" rtl="0" eaLnBrk="1" latinLnBrk="0" hangingPunct="1">
+              <a:lnSpc>
+                <a:spcPct val="90000"/>
+              </a:lnSpc>
+              <a:spcBef>
+                <a:spcPts val="500"/>
+              </a:spcBef>
+              <a:buFont typeface="Arial" panose="020B0604020202020204" pitchFamily="34" charset="0"/>
+              <a:buNone/>
+              <a:defRPr sz="2000" kern="1200">
+                <a:solidFill>
+                  <a:schemeClr val="tx1"/>
+                </a:solidFill>
+                <a:latin typeface="+mn-lt"/>
+                <a:ea typeface="+mn-ea"/>
+                <a:cs typeface="+mn-cs"/>
+              </a:defRPr>
+            </a:lvl2pPr>
+            <a:lvl3pPr marL="914400" indent="0" algn="ctr" defTabSz="914400" rtl="0" eaLnBrk="1" latinLnBrk="0" hangingPunct="1">
+              <a:lnSpc>
+                <a:spcPct val="90000"/>
+              </a:lnSpc>
+              <a:spcBef>
+                <a:spcPts val="500"/>
+              </a:spcBef>
+              <a:buFont typeface="Arial" panose="020B0604020202020204" pitchFamily="34" charset="0"/>
+              <a:buNone/>
+              <a:defRPr sz="1800" kern="1200">
+                <a:solidFill>
+                  <a:schemeClr val="tx1"/>
+                </a:solidFill>
+                <a:latin typeface="+mn-lt"/>
+                <a:ea typeface="+mn-ea"/>
+                <a:cs typeface="+mn-cs"/>
+              </a:defRPr>
+            </a:lvl3pPr>
+            <a:lvl4pPr marL="1371600" indent="0" algn="ctr" defTabSz="914400" rtl="0" eaLnBrk="1" latinLnBrk="0" hangingPunct="1">
+              <a:lnSpc>
+                <a:spcPct val="90000"/>
+              </a:lnSpc>
+              <a:spcBef>
+                <a:spcPts val="500"/>
+              </a:spcBef>
+              <a:buFont typeface="Arial" panose="020B0604020202020204" pitchFamily="34" charset="0"/>
+              <a:buNone/>
+              <a:defRPr sz="1600" kern="1200">
+                <a:solidFill>
+                  <a:schemeClr val="tx1"/>
+                </a:solidFill>
+                <a:latin typeface="+mn-lt"/>
+                <a:ea typeface="+mn-ea"/>
+                <a:cs typeface="+mn-cs"/>
+              </a:defRPr>
+            </a:lvl4pPr>
+            <a:lvl5pPr marL="1828800" indent="0" algn="ctr" defTabSz="914400" rtl="0" eaLnBrk="1" latinLnBrk="0" hangingPunct="1">
+              <a:lnSpc>
+                <a:spcPct val="90000"/>
+              </a:lnSpc>
+              <a:spcBef>
+                <a:spcPts val="500"/>
+              </a:spcBef>
+              <a:buFont typeface="Arial" panose="020B0604020202020204" pitchFamily="34" charset="0"/>
+              <a:buNone/>
+              <a:defRPr sz="1600" kern="1200">
+                <a:solidFill>
+                  <a:schemeClr val="tx1"/>
+                </a:solidFill>
+                <a:latin typeface="+mn-lt"/>
+                <a:ea typeface="+mn-ea"/>
+                <a:cs typeface="+mn-cs"/>
+              </a:defRPr>
+            </a:lvl5pPr>
+            <a:lvl6pPr marL="2286000" indent="0" algn="ctr" defTabSz="914400" rtl="0" eaLnBrk="1" latinLnBrk="0" hangingPunct="1">
+              <a:lnSpc>
+                <a:spcPct val="90000"/>
+              </a:lnSpc>
+              <a:spcBef>
+                <a:spcPts val="500"/>
+              </a:spcBef>
+              <a:buFont typeface="Arial" panose="020B0604020202020204" pitchFamily="34" charset="0"/>
+              <a:buNone/>
+              <a:defRPr sz="1600" kern="1200">
+                <a:solidFill>
+                  <a:schemeClr val="tx1"/>
+                </a:solidFill>
+                <a:latin typeface="+mn-lt"/>
+                <a:ea typeface="+mn-ea"/>
+                <a:cs typeface="+mn-cs"/>
+              </a:defRPr>
+            </a:lvl6pPr>
+            <a:lvl7pPr marL="2743200" indent="0" algn="ctr" defTabSz="914400" rtl="0" eaLnBrk="1" latinLnBrk="0" hangingPunct="1">
+              <a:lnSpc>
+                <a:spcPct val="90000"/>
+              </a:lnSpc>
+              <a:spcBef>
+                <a:spcPts val="500"/>
+              </a:spcBef>
+              <a:buFont typeface="Arial" panose="020B0604020202020204" pitchFamily="34" charset="0"/>
+              <a:buNone/>
+              <a:defRPr sz="1600" kern="1200">
+                <a:solidFill>
+                  <a:schemeClr val="tx1"/>
+                </a:solidFill>
+                <a:latin typeface="+mn-lt"/>
+                <a:ea typeface="+mn-ea"/>
+                <a:cs typeface="+mn-cs"/>
+              </a:defRPr>
+            </a:lvl7pPr>
+            <a:lvl8pPr marL="3200400" indent="0" algn="ctr" defTabSz="914400" rtl="0" eaLnBrk="1" latinLnBrk="0" hangingPunct="1">
+              <a:lnSpc>
+                <a:spcPct val="90000"/>
+              </a:lnSpc>
+              <a:spcBef>
+                <a:spcPts val="500"/>
+              </a:spcBef>
+              <a:buFont typeface="Arial" panose="020B0604020202020204" pitchFamily="34" charset="0"/>
+              <a:buNone/>
+              <a:defRPr sz="1600" kern="1200">
+                <a:solidFill>
+                  <a:schemeClr val="tx1"/>
+                </a:solidFill>
+                <a:latin typeface="+mn-lt"/>
+                <a:ea typeface="+mn-ea"/>
+                <a:cs typeface="+mn-cs"/>
+              </a:defRPr>
+            </a:lvl8pPr>
+            <a:lvl9pPr marL="3657600" indent="0" algn="ctr" defTabSz="914400" rtl="0" eaLnBrk="1" latinLnBrk="0" hangingPunct="1">
+              <a:lnSpc>
+                <a:spcPct val="90000"/>
+              </a:lnSpc>
+              <a:spcBef>
+                <a:spcPts val="500"/>
+              </a:spcBef>
+              <a:buFont typeface="Arial" panose="020B0604020202020204" pitchFamily="34" charset="0"/>
+              <a:buNone/>
+              <a:defRPr sz="1600" kern="1200">
+                <a:solidFill>
+                  <a:schemeClr val="tx1"/>
+                </a:solidFill>
+                <a:latin typeface="+mn-lt"/>
+                <a:ea typeface="+mn-ea"/>
+                <a:cs typeface="+mn-cs"/>
+              </a:defRPr>
+            </a:lvl9pPr>
+          </a:lstStyle>
+          <a:p>
+            <a:pPr algn="r"/>
+            <a:r>
+              <a:rPr lang="en-US" sz="2800" dirty="0">
+                <a:latin typeface="Selawik Semibold" panose="020B0702040204020203" pitchFamily="34" charset="0"/>
+              </a:rPr>
+              <a:t>Yesterday’s home runs don’t</a:t>
+            </a:r>
+          </a:p>
+          <a:p>
+            <a:pPr algn="r"/>
+            <a:r>
+              <a:rPr lang="en-US" sz="2800" dirty="0">
+                <a:latin typeface="Selawik Semibold" panose="020B0702040204020203" pitchFamily="34" charset="0"/>
+              </a:rPr>
+              <a:t> win today’s games.</a:t>
+            </a:r>
+          </a:p>
+          <a:p>
+            <a:pPr algn="r"/>
+            <a:r>
+              <a:rPr lang="en-US" sz="2800" dirty="0">
+                <a:latin typeface="Selawik Semibold" panose="020B0702040204020203" pitchFamily="34" charset="0"/>
+              </a:rPr>
+              <a:t> </a:t>
+            </a:r>
+          </a:p>
+          <a:p>
+            <a:pPr algn="r"/>
+            <a:r>
+              <a:rPr lang="en-US" sz="2800" dirty="0">
+                <a:latin typeface="Selawik Semibold" panose="020B0702040204020203" pitchFamily="34" charset="0"/>
+              </a:rPr>
+              <a:t>-Babe Ruth</a:t>
+            </a:r>
+          </a:p>
+          <a:p>
+            <a:pPr lvl="2" algn="r"/>
+            <a:endParaRPr lang="en-US" sz="2800" dirty="0">
+              <a:latin typeface="Selawik Semibold" panose="020B0702040204020203" pitchFamily="34" charset="0"/>
+            </a:endParaRPr>
+          </a:p>
+          <a:p>
+            <a:pPr lvl="2" algn="r"/>
+            <a:endParaRPr lang="en-US" sz="2800" dirty="0">
+              <a:latin typeface="Selawik Semibold" panose="020B0702040204020203" pitchFamily="34" charset="0"/>
+            </a:endParaRPr>
+          </a:p>
+          <a:p>
+            <a:pPr lvl="2" algn="r"/>
+            <a:endParaRPr lang="en-US" sz="2800" dirty="0">
+              <a:latin typeface="Selawik Semibold" panose="020B0702040204020203" pitchFamily="34" charset="0"/>
+            </a:endParaRPr>
+          </a:p>
+        </p:txBody>
+      </p:sp>
+    </p:spTree>
+    <p:extLst>
+      <p:ext uri="{BB962C8B-B14F-4D97-AF65-F5344CB8AC3E}">
+        <p14:creationId xmlns:p14="http://schemas.microsoft.com/office/powerpoint/2010/main" val="1593475065"/>
+      </p:ext>
+    </p:extLst>
+  </p:cSld>
+  <p:clrMapOvr>
+    <a:overrideClrMapping bg1="dk1" tx1="lt1" bg2="dk2" tx2="lt2" accent1="accent1" accent2="accent2" accent3="accent3" accent4="accent4" accent5="accent5" accent6="accent6" hlink="hlink" folHlink="folHlink"/>
+  </p:clrMapOvr>
+</p:sld>
+</file>
+
 <file path=ppt/slides/slide3.xml><?xml version="1.0" encoding="utf-8"?>
 <p:sld xmlns:a="http://schemas.openxmlformats.org/drawingml/2006/main" xmlns:r="http://schemas.openxmlformats.org/officeDocument/2006/relationships" xmlns:p="http://schemas.openxmlformats.org/presentationml/2006/main">
   <p:cSld>
@@ -11025,8 +13057,8 @@
           </a:p>
         </p:txBody>
       </p:sp>
-      <mc:AlternateContent xmlns:mc="http://schemas.openxmlformats.org/markup-compatibility/2006">
-        <mc:Choice xmlns:a14="http://schemas.microsoft.com/office/drawing/2010/main" Requires="a14">
+      <mc:AlternateContent xmlns:mc="http://schemas.openxmlformats.org/markup-compatibility/2006" xmlns:a14="http://schemas.microsoft.com/office/drawing/2010/main">
+        <mc:Choice Requires="a14">
           <p:sp>
             <p:nvSpPr>
               <p:cNvPr id="13" name="TextBox 12">
@@ -11263,7 +13295,7 @@
             </p:txBody>
           </p:sp>
         </mc:Choice>
-        <mc:Fallback>
+        <mc:Fallback xmlns="">
           <p:sp>
             <p:nvSpPr>
               <p:cNvPr id="13" name="TextBox 12">
@@ -11308,8 +13340,8 @@
           </p:sp>
         </mc:Fallback>
       </mc:AlternateContent>
-      <mc:AlternateContent xmlns:mc="http://schemas.openxmlformats.org/markup-compatibility/2006">
-        <mc:Choice xmlns:a14="http://schemas.microsoft.com/office/drawing/2010/main" Requires="a14">
+      <mc:AlternateContent xmlns:mc="http://schemas.openxmlformats.org/markup-compatibility/2006" xmlns:a14="http://schemas.microsoft.com/office/drawing/2010/main">
+        <mc:Choice Requires="a14">
           <p:sp>
             <p:nvSpPr>
               <p:cNvPr id="14" name="TextBox 13">
@@ -11338,6 +13370,7 @@
               </a:bodyPr>
               <a:lstStyle/>
               <a:p>
+                <a:pPr/>
                 <a14:m>
                   <m:oMathPara xmlns:m="http://schemas.openxmlformats.org/officeDocument/2006/math">
                     <m:oMathParaPr>
@@ -11512,7 +13545,7 @@
             </p:txBody>
           </p:sp>
         </mc:Choice>
-        <mc:Fallback>
+        <mc:Fallback xmlns="">
           <p:sp>
             <p:nvSpPr>
               <p:cNvPr id="14" name="TextBox 13">
@@ -11557,8 +13590,8 @@
           </p:sp>
         </mc:Fallback>
       </mc:AlternateContent>
-      <mc:AlternateContent xmlns:mc="http://schemas.openxmlformats.org/markup-compatibility/2006">
-        <mc:Choice xmlns:a14="http://schemas.microsoft.com/office/drawing/2010/main" Requires="a14">
+      <mc:AlternateContent xmlns:mc="http://schemas.openxmlformats.org/markup-compatibility/2006" xmlns:a14="http://schemas.microsoft.com/office/drawing/2010/main">
+        <mc:Choice Requires="a14">
           <p:sp>
             <p:nvSpPr>
               <p:cNvPr id="15" name="TextBox 14">
@@ -11587,6 +13620,7 @@
               </a:bodyPr>
               <a:lstStyle/>
               <a:p>
+                <a:pPr/>
                 <a14:m>
                   <m:oMathPara xmlns:m="http://schemas.openxmlformats.org/officeDocument/2006/math">
                     <m:oMathParaPr>
@@ -11718,16 +13752,7 @@
                               </a:solidFill>
                               <a:latin typeface="Cambria Math" panose="02040503050406030204" pitchFamily="18" charset="0"/>
                             </a:rPr>
-                            <m:t> </m:t>
-                          </m:r>
-                          <m:r>
-                            <a:rPr lang="en-US" sz="2400" b="1" i="1">
-                              <a:solidFill>
-                                <a:schemeClr val="bg1"/>
-                              </a:solidFill>
-                              <a:latin typeface="Cambria Math" panose="02040503050406030204" pitchFamily="18" charset="0"/>
-                            </a:rPr>
-                            <m:t>−</m:t>
+                            <m:t> −</m:t>
                           </m:r>
                           <m:r>
                             <a:rPr lang="en-US" sz="2400" b="1" i="1" smtClean="0">
@@ -11788,7 +13813,7 @@
             </p:txBody>
           </p:sp>
         </mc:Choice>
-        <mc:Fallback>
+        <mc:Fallback xmlns="">
           <p:sp>
             <p:nvSpPr>
               <p:cNvPr id="15" name="TextBox 14">
@@ -12475,8 +14500,8 @@
           </a:p>
         </p:txBody>
       </p:sp>
-      <mc:AlternateContent xmlns:mc="http://schemas.openxmlformats.org/markup-compatibility/2006">
-        <mc:Choice xmlns:a14="http://schemas.microsoft.com/office/drawing/2010/main" Requires="a14">
+      <mc:AlternateContent xmlns:mc="http://schemas.openxmlformats.org/markup-compatibility/2006" xmlns:a14="http://schemas.microsoft.com/office/drawing/2010/main">
+        <mc:Choice Requires="a14">
           <p:sp>
             <p:nvSpPr>
               <p:cNvPr id="18" name="TextBox 17">
@@ -12505,6 +14530,7 @@
               </a:bodyPr>
               <a:lstStyle/>
               <a:p>
+                <a:pPr/>
                 <a14:m>
                   <m:oMathPara xmlns:m="http://schemas.openxmlformats.org/officeDocument/2006/math">
                     <m:oMathParaPr>
@@ -12690,7 +14716,7 @@
             </p:txBody>
           </p:sp>
         </mc:Choice>
-        <mc:Fallback>
+        <mc:Fallback xmlns="">
           <p:sp>
             <p:nvSpPr>
               <p:cNvPr id="18" name="TextBox 17">
@@ -12735,8 +14761,8 @@
           </p:sp>
         </mc:Fallback>
       </mc:AlternateContent>
-      <mc:AlternateContent xmlns:mc="http://schemas.openxmlformats.org/markup-compatibility/2006">
-        <mc:Choice xmlns:a14="http://schemas.microsoft.com/office/drawing/2010/main" Requires="a14">
+      <mc:AlternateContent xmlns:mc="http://schemas.openxmlformats.org/markup-compatibility/2006" xmlns:a14="http://schemas.microsoft.com/office/drawing/2010/main">
+        <mc:Choice Requires="a14">
           <p:sp>
             <p:nvSpPr>
               <p:cNvPr id="19" name="TextBox 18">
@@ -12765,6 +14791,7 @@
               </a:bodyPr>
               <a:lstStyle/>
               <a:p>
+                <a:pPr/>
                 <a14:m>
                   <m:oMathPara xmlns:m="http://schemas.openxmlformats.org/officeDocument/2006/math">
                     <m:oMathParaPr>
@@ -12882,7 +14909,7 @@
             </p:txBody>
           </p:sp>
         </mc:Choice>
-        <mc:Fallback>
+        <mc:Fallback xmlns="">
           <p:sp>
             <p:nvSpPr>
               <p:cNvPr id="19" name="TextBox 18">
@@ -13455,7 +15482,7 @@
         </p:nvSpPr>
         <p:spPr>
           <a:xfrm>
-            <a:off x="313938" y="-52157"/>
+            <a:off x="-2" y="-52157"/>
             <a:ext cx="12192000" cy="6910157"/>
           </a:xfrm>
           <a:prstGeom prst="rect">
@@ -13809,7 +15836,7 @@
         <p:spPr>
           <a:xfrm>
             <a:off x="3080081" y="1520792"/>
-            <a:ext cx="8954694" cy="5386090"/>
+            <a:ext cx="8954694" cy="4154984"/>
           </a:xfrm>
           <a:prstGeom prst="rect">
             <a:avLst/>
@@ -14016,61 +16043,13 @@
                 </a:solidFill>
                 <a:latin typeface="Selawik Semibold" panose="020B0702040204020203" pitchFamily="34" charset="0"/>
               </a:rPr>
-              <a:t>, only 7 players have positive fielding ratings equivalent to 2 more wins above average.</a:t>
-            </a:r>
-          </a:p>
-          <a:p>
-            <a:pPr marL="800100" lvl="1" indent="-342900">
-              <a:buFont typeface="Arial" panose="020B0604020202020204" pitchFamily="34" charset="0"/>
-              <a:buChar char="•"/>
-            </a:pPr>
-            <a:endParaRPr lang="en-US" sz="2000" dirty="0">
-              <a:solidFill>
-                <a:schemeClr val="bg1"/>
-              </a:solidFill>
-              <a:latin typeface="Selawik Semibold" panose="020B0702040204020203" pitchFamily="34" charset="0"/>
-            </a:endParaRPr>
-          </a:p>
-          <a:p>
-            <a:pPr marL="800100" lvl="1" indent="-342900">
-              <a:buFont typeface="Arial" panose="020B0604020202020204" pitchFamily="34" charset="0"/>
-              <a:buChar char="•"/>
-            </a:pPr>
-            <a:endParaRPr lang="en-US" sz="2000" dirty="0">
-              <a:solidFill>
-                <a:schemeClr val="bg1"/>
-              </a:solidFill>
-              <a:latin typeface="Selawik Semibold" panose="020B0702040204020203" pitchFamily="34" charset="0"/>
-            </a:endParaRPr>
-          </a:p>
-          <a:p>
-            <a:pPr marL="800100" lvl="1" indent="-342900">
-              <a:buFont typeface="Arial" panose="020B0604020202020204" pitchFamily="34" charset="0"/>
-              <a:buChar char="•"/>
-            </a:pPr>
-            <a:endParaRPr lang="en-US" sz="2000" dirty="0">
-              <a:solidFill>
-                <a:schemeClr val="bg1"/>
-              </a:solidFill>
-              <a:latin typeface="Selawik Semibold" panose="020B0702040204020203" pitchFamily="34" charset="0"/>
-            </a:endParaRPr>
-          </a:p>
-          <a:p>
-            <a:pPr marL="800100" lvl="1" indent="-342900">
-              <a:buFont typeface="Arial" panose="020B0604020202020204" pitchFamily="34" charset="0"/>
-              <a:buChar char="•"/>
-            </a:pPr>
-            <a:endParaRPr lang="en-US" sz="2000" dirty="0">
-              <a:solidFill>
-                <a:schemeClr val="bg1"/>
-              </a:solidFill>
-              <a:latin typeface="Selawik Semibold" panose="020B0702040204020203" pitchFamily="34" charset="0"/>
-            </a:endParaRPr>
+              <a:t>, Only 7 Players with Positive Fielding Ratings Equivalent to 2 More Wins Above Average.</a:t>
+            </a:r>
           </a:p>
         </p:txBody>
       </p:sp>
-      <mc:AlternateContent xmlns:mc="http://schemas.openxmlformats.org/markup-compatibility/2006">
-        <mc:Choice xmlns:a14="http://schemas.microsoft.com/office/drawing/2010/main" Requires="a14">
+      <mc:AlternateContent xmlns:mc="http://schemas.openxmlformats.org/markup-compatibility/2006" xmlns:a14="http://schemas.microsoft.com/office/drawing/2010/main">
+        <mc:Choice Requires="a14">
           <p:sp>
             <p:nvSpPr>
               <p:cNvPr id="12" name="TextBox 11">
@@ -14376,7 +16355,7 @@
                         </a:solidFill>
                         <a:latin typeface="Cambria Math" panose="02040503050406030204" pitchFamily="18" charset="0"/>
                       </a:rPr>
-                      <m:t>=</m:t>
+                      <m:t>=−</m:t>
                     </m:r>
                     <m:r>
                       <a:rPr lang="en-US" sz="2400" b="1" i="1" smtClean="0">
@@ -14570,7 +16549,7 @@
             </p:txBody>
           </p:sp>
         </mc:Choice>
-        <mc:Fallback>
+        <mc:Fallback xmlns="">
           <p:sp>
             <p:nvSpPr>
               <p:cNvPr id="12" name="TextBox 11">
@@ -14667,7 +16646,7 @@
         </p:nvSpPr>
         <p:spPr>
           <a:xfrm>
-            <a:off x="313938" y="-52157"/>
+            <a:off x="-2" y="-52157"/>
             <a:ext cx="12192000" cy="6910157"/>
           </a:xfrm>
           <a:prstGeom prst="rect">
@@ -15021,7 +17000,7 @@
         <p:spPr>
           <a:xfrm>
             <a:off x="3080081" y="1520792"/>
-            <a:ext cx="8954694" cy="4678204"/>
+            <a:ext cx="8954694" cy="3754874"/>
           </a:xfrm>
           <a:prstGeom prst="rect">
             <a:avLst/>
@@ -15197,42 +17176,6 @@
               </a:rPr>
               <a:t>Best Base Running Has Little Effect on SAGWIN</a:t>
             </a:r>
-          </a:p>
-          <a:p>
-            <a:pPr marL="800100" lvl="1" indent="-342900">
-              <a:buFont typeface="Arial" panose="020B0604020202020204" pitchFamily="34" charset="0"/>
-              <a:buChar char="•"/>
-            </a:pPr>
-            <a:endParaRPr lang="en-US" sz="2000" dirty="0">
-              <a:solidFill>
-                <a:schemeClr val="bg1"/>
-              </a:solidFill>
-              <a:latin typeface="Selawik Semibold" panose="020B0702040204020203" pitchFamily="34" charset="0"/>
-            </a:endParaRPr>
-          </a:p>
-          <a:p>
-            <a:pPr marL="800100" lvl="1" indent="-342900">
-              <a:buFont typeface="Arial" panose="020B0604020202020204" pitchFamily="34" charset="0"/>
-              <a:buChar char="•"/>
-            </a:pPr>
-            <a:endParaRPr lang="en-US" sz="2000" dirty="0">
-              <a:solidFill>
-                <a:schemeClr val="bg1"/>
-              </a:solidFill>
-              <a:latin typeface="Selawik Semibold" panose="020B0702040204020203" pitchFamily="34" charset="0"/>
-            </a:endParaRPr>
-          </a:p>
-          <a:p>
-            <a:pPr marL="800100" lvl="1" indent="-342900">
-              <a:buFont typeface="Arial" panose="020B0604020202020204" pitchFamily="34" charset="0"/>
-              <a:buChar char="•"/>
-            </a:pPr>
-            <a:endParaRPr lang="en-US" sz="2000" dirty="0">
-              <a:solidFill>
-                <a:schemeClr val="bg1"/>
-              </a:solidFill>
-              <a:latin typeface="Selawik Semibold" panose="020B0702040204020203" pitchFamily="34" charset="0"/>
-            </a:endParaRPr>
           </a:p>
         </p:txBody>
       </p:sp>
@@ -15288,7 +17231,7 @@
         </p:nvSpPr>
         <p:spPr>
           <a:xfrm>
-            <a:off x="313938" y="-52157"/>
+            <a:off x="-2" y="-52157"/>
             <a:ext cx="12192000" cy="6910157"/>
           </a:xfrm>
           <a:prstGeom prst="rect">
@@ -15642,7 +17585,7 @@
         <p:spPr>
           <a:xfrm>
             <a:off x="3080081" y="1520792"/>
-            <a:ext cx="8954694" cy="5262979"/>
+            <a:ext cx="8954694" cy="3662541"/>
           </a:xfrm>
           <a:prstGeom prst="rect">
             <a:avLst/>
@@ -15797,60 +17740,6 @@
               </a:rPr>
               <a:t>Not Equal Because Trades</a:t>
             </a:r>
-          </a:p>
-          <a:p>
-            <a:pPr marL="1257300" lvl="2" indent="-342900">
-              <a:buFont typeface="Arial" panose="020B0604020202020204" pitchFamily="34" charset="0"/>
-              <a:buChar char="•"/>
-            </a:pPr>
-            <a:endParaRPr lang="en-US" sz="2400" dirty="0">
-              <a:solidFill>
-                <a:schemeClr val="bg1"/>
-              </a:solidFill>
-              <a:latin typeface="Selawik Semibold" panose="020B0702040204020203" pitchFamily="34" charset="0"/>
-            </a:endParaRPr>
-          </a:p>
-          <a:p>
-            <a:pPr marL="800100" lvl="1" indent="-342900">
-              <a:buFont typeface="Arial" panose="020B0604020202020204" pitchFamily="34" charset="0"/>
-              <a:buChar char="•"/>
-            </a:pPr>
-            <a:endParaRPr lang="en-US" sz="2000" dirty="0">
-              <a:solidFill>
-                <a:schemeClr val="bg1"/>
-              </a:solidFill>
-              <a:latin typeface="Selawik Semibold" panose="020B0702040204020203" pitchFamily="34" charset="0"/>
-            </a:endParaRPr>
-          </a:p>
-          <a:p>
-            <a:pPr marL="800100" lvl="1" indent="-342900">
-              <a:buFont typeface="Arial" panose="020B0604020202020204" pitchFamily="34" charset="0"/>
-              <a:buChar char="•"/>
-            </a:pPr>
-            <a:endParaRPr lang="en-US" sz="2000" dirty="0">
-              <a:solidFill>
-                <a:schemeClr val="bg1"/>
-              </a:solidFill>
-              <a:latin typeface="Selawik Semibold" panose="020B0702040204020203" pitchFamily="34" charset="0"/>
-            </a:endParaRPr>
-          </a:p>
-          <a:p>
-            <a:pPr marL="800100" lvl="1" indent="-342900">
-              <a:buFont typeface="Arial" panose="020B0604020202020204" pitchFamily="34" charset="0"/>
-              <a:buChar char="•"/>
-            </a:pPr>
-            <a:endParaRPr lang="en-US" sz="2000" dirty="0">
-              <a:solidFill>
-                <a:schemeClr val="bg1"/>
-              </a:solidFill>
-              <a:latin typeface="Selawik Semibold" panose="020B0702040204020203" pitchFamily="34" charset="0"/>
-            </a:endParaRPr>
-          </a:p>
-          <a:p>
-            <a:pPr marL="800100" lvl="1" indent="-342900">
-              <a:buFont typeface="Arial" panose="020B0604020202020204" pitchFamily="34" charset="0"/>
-              <a:buChar char="•"/>
-            </a:pPr>
             <a:endParaRPr lang="en-US" sz="2000" dirty="0">
               <a:solidFill>
                 <a:schemeClr val="bg1"/>
@@ -15882,16 +17771,16 @@
         </p:blipFill>
         <p:spPr>
           <a:xfrm>
-            <a:off x="7748242" y="2871905"/>
-            <a:ext cx="4600471" cy="3911866"/>
+            <a:off x="7861413" y="3171693"/>
+            <a:ext cx="4173362" cy="3548687"/>
           </a:xfrm>
           <a:prstGeom prst="rect">
             <a:avLst/>
           </a:prstGeom>
         </p:spPr>
       </p:pic>
-      <mc:AlternateContent xmlns:mc="http://schemas.openxmlformats.org/markup-compatibility/2006">
-        <mc:Choice xmlns:a14="http://schemas.microsoft.com/office/drawing/2010/main" Requires="a14">
+      <mc:AlternateContent xmlns:mc="http://schemas.openxmlformats.org/markup-compatibility/2006" xmlns:a14="http://schemas.microsoft.com/office/drawing/2010/main">
+        <mc:Choice Requires="a14">
           <p:sp>
             <p:nvSpPr>
               <p:cNvPr id="11" name="TextBox 10">
@@ -15920,6 +17809,7 @@
               </a:bodyPr>
               <a:lstStyle/>
               <a:p>
+                <a:pPr/>
                 <a14:m>
                   <m:oMathPara xmlns:m="http://schemas.openxmlformats.org/officeDocument/2006/math">
                     <m:oMathParaPr>
@@ -16033,7 +17923,7 @@
             </p:txBody>
           </p:sp>
         </mc:Choice>
-        <mc:Fallback>
+        <mc:Fallback xmlns="">
           <p:sp>
             <p:nvSpPr>
               <p:cNvPr id="11" name="TextBox 10">
@@ -16130,7 +18020,7 @@
         </p:nvSpPr>
         <p:spPr>
           <a:xfrm>
-            <a:off x="313938" y="-52157"/>
+            <a:off x="-2" y="-52157"/>
             <a:ext cx="12192000" cy="6910157"/>
           </a:xfrm>
           <a:prstGeom prst="rect">
